--- a/Angol/Housework_BA_BáBe.pptx
+++ b/Angol/Housework_BA_BáBe.pptx
@@ -5,50 +5,47 @@
     <p:sldMasterId id="2147483703" r:id="rId1"/>
   </p:sldMasterIdLst>
   <p:notesMasterIdLst>
-    <p:notesMasterId r:id="rId11"/>
+    <p:notesMasterId r:id="rId8"/>
   </p:notesMasterIdLst>
   <p:sldIdLst>
-    <p:sldId id="256" r:id="rId2"/>
-    <p:sldId id="257" r:id="rId3"/>
-    <p:sldId id="258" r:id="rId4"/>
-    <p:sldId id="259" r:id="rId5"/>
-    <p:sldId id="260" r:id="rId6"/>
-    <p:sldId id="261" r:id="rId7"/>
-    <p:sldId id="262" r:id="rId8"/>
-    <p:sldId id="263" r:id="rId9"/>
-    <p:sldId id="264" r:id="rId10"/>
+    <p:sldId id="257" r:id="rId2"/>
+    <p:sldId id="258" r:id="rId3"/>
+    <p:sldId id="259" r:id="rId4"/>
+    <p:sldId id="260" r:id="rId5"/>
+    <p:sldId id="261" r:id="rId6"/>
+    <p:sldId id="262" r:id="rId7"/>
   </p:sldIdLst>
   <p:sldSz cx="9144000" cy="5143500" type="screen16x9"/>
   <p:notesSz cx="6858000" cy="9144000"/>
   <p:embeddedFontLst>
     <p:embeddedFont>
       <p:font typeface="Crimson Text" panose="020B0604020202020204" charset="0"/>
-      <p:regular r:id="rId12"/>
-      <p:bold r:id="rId13"/>
-      <p:italic r:id="rId14"/>
-      <p:boldItalic r:id="rId15"/>
+      <p:regular r:id="rId9"/>
+      <p:bold r:id="rId10"/>
+      <p:italic r:id="rId11"/>
+      <p:boldItalic r:id="rId12"/>
     </p:embeddedFont>
     <p:embeddedFont>
-      <p:font typeface="Lato" panose="020B0604020202020204" charset="-18"/>
-      <p:regular r:id="rId16"/>
-      <p:bold r:id="rId17"/>
-      <p:italic r:id="rId18"/>
-      <p:boldItalic r:id="rId19"/>
+      <p:font typeface="Impact" panose="020B0806030902050204" pitchFamily="34" charset="0"/>
+      <p:regular r:id="rId13"/>
+    </p:embeddedFont>
+    <p:embeddedFont>
+      <p:font typeface="Lato" panose="020F0502020204030203" pitchFamily="34" charset="0"/>
+      <p:regular r:id="rId14"/>
+      <p:bold r:id="rId15"/>
+      <p:italic r:id="rId16"/>
+      <p:boldItalic r:id="rId17"/>
+    </p:embeddedFont>
+    <p:embeddedFont>
+      <p:font typeface="Montserrat" panose="00000500000000000000" pitchFamily="2" charset="0"/>
+      <p:regular r:id="rId18"/>
+      <p:bold r:id="rId19"/>
+      <p:italic r:id="rId20"/>
+      <p:boldItalic r:id="rId21"/>
     </p:embeddedFont>
     <p:embeddedFont>
       <p:font typeface="Vidaloka" panose="020B0604020202020204" charset="0"/>
-      <p:regular r:id="rId20"/>
-    </p:embeddedFont>
-    <p:embeddedFont>
-      <p:font typeface="Impact" panose="020B0806030902050204" pitchFamily="34" charset="0"/>
-      <p:regular r:id="rId21"/>
-    </p:embeddedFont>
-    <p:embeddedFont>
-      <p:font typeface="Montserrat" panose="020B0604020202020204" charset="-18"/>
       <p:regular r:id="rId22"/>
-      <p:bold r:id="rId23"/>
-      <p:italic r:id="rId24"/>
-      <p:boldItalic r:id="rId25"/>
     </p:embeddedFont>
   </p:embeddedFontLst>
   <p:defaultTextStyle>
@@ -280,6 +277,11 @@
       </a:defRPr>
     </a:lvl9pPr>
   </p:defaultTextStyle>
+  <p:extLst>
+    <p:ext uri="{EFAFB233-063F-42B5-8137-9DF3F51BA10A}">
+      <p15:sldGuideLst xmlns:p15="http://schemas.microsoft.com/office/powerpoint/2012/main"/>
+    </p:ext>
+  </p:extLst>
 </p:presentation>
 </file>
 
@@ -729,110 +731,6 @@
   <p:cSld>
     <p:spTree>
       <p:nvGrpSpPr>
-        <p:cNvPr id="1" name="Shape 478"/>
-        <p:cNvGrpSpPr/>
-        <p:nvPr/>
-      </p:nvGrpSpPr>
-      <p:grpSpPr>
-        <a:xfrm>
-          <a:off x="0" y="0"/>
-          <a:ext cx="0" cy="0"/>
-          <a:chOff x="0" y="0"/>
-          <a:chExt cx="0" cy="0"/>
-        </a:xfrm>
-      </p:grpSpPr>
-      <p:sp>
-        <p:nvSpPr>
-          <p:cNvPr id="479" name="Google Shape;479;p:notes"/>
-          <p:cNvSpPr>
-            <a:spLocks noGrp="1" noRot="1" noChangeAspect="1"/>
-          </p:cNvSpPr>
-          <p:nvPr>
-            <p:ph type="sldImg" idx="2"/>
-          </p:nvPr>
-        </p:nvSpPr>
-        <p:spPr>
-          <a:xfrm>
-            <a:off x="381000" y="685800"/>
-            <a:ext cx="6096000" cy="3429000"/>
-          </a:xfrm>
-          <a:custGeom>
-            <a:avLst/>
-            <a:gdLst/>
-            <a:ahLst/>
-            <a:cxnLst/>
-            <a:rect l="l" t="t" r="r" b="b"/>
-            <a:pathLst>
-              <a:path w="120000" h="120000" extrusionOk="0">
-                <a:moveTo>
-                  <a:pt x="0" y="0"/>
-                </a:moveTo>
-                <a:lnTo>
-                  <a:pt x="120000" y="0"/>
-                </a:lnTo>
-                <a:lnTo>
-                  <a:pt x="120000" y="120000"/>
-                </a:lnTo>
-                <a:lnTo>
-                  <a:pt x="0" y="120000"/>
-                </a:lnTo>
-                <a:close/>
-              </a:path>
-            </a:pathLst>
-          </a:custGeom>
-        </p:spPr>
-      </p:sp>
-      <p:sp>
-        <p:nvSpPr>
-          <p:cNvPr id="480" name="Google Shape;480;p:notes"/>
-          <p:cNvSpPr txBox="1">
-            <a:spLocks noGrp="1"/>
-          </p:cNvSpPr>
-          <p:nvPr>
-            <p:ph type="body" idx="1"/>
-          </p:nvPr>
-        </p:nvSpPr>
-        <p:spPr>
-          <a:xfrm>
-            <a:off x="685800" y="4343400"/>
-            <a:ext cx="5486400" cy="4114800"/>
-          </a:xfrm>
-          <a:prstGeom prst="rect">
-            <a:avLst/>
-          </a:prstGeom>
-        </p:spPr>
-        <p:txBody>
-          <a:bodyPr spcFirstLastPara="1" wrap="square" lIns="91425" tIns="91425" rIns="91425" bIns="91425" anchor="t" anchorCtr="0">
-            <a:noAutofit/>
-          </a:bodyPr>
-          <a:lstStyle/>
-          <a:p>
-            <a:pPr marL="0" lvl="0" indent="0" algn="l" rtl="0">
-              <a:spcBef>
-                <a:spcPts val="0"/>
-              </a:spcBef>
-              <a:spcAft>
-                <a:spcPts val="0"/>
-              </a:spcAft>
-              <a:buNone/>
-            </a:pPr>
-            <a:endParaRPr/>
-          </a:p>
-        </p:txBody>
-      </p:sp>
-    </p:spTree>
-  </p:cSld>
-  <p:clrMapOvr>
-    <a:masterClrMapping/>
-  </p:clrMapOvr>
-</p:notes>
-</file>
-
-<file path=ppt/notesSlides/notesSlide2.xml><?xml version="1.0" encoding="utf-8"?>
-<p:notes xmlns:a="http://schemas.openxmlformats.org/drawingml/2006/main" xmlns:r="http://schemas.openxmlformats.org/officeDocument/2006/relationships" xmlns:p="http://schemas.openxmlformats.org/presentationml/2006/main" showMasterSp="0" showMasterPhAnim="0">
-  <p:cSld>
-    <p:spTree>
-      <p:nvGrpSpPr>
         <p:cNvPr id="1" name="Shape 484"/>
         <p:cNvGrpSpPr/>
         <p:nvPr/>
@@ -916,7 +814,7 @@
               <a:buNone/>
             </a:pPr>
             <a:r>
-              <a:rPr lang="en-US" sz="1100" dirty="0" smtClean="0">
+              <a:rPr lang="en-US" sz="1100" dirty="0">
                 <a:latin typeface="Times New Roman" panose="02020603050405020304" pitchFamily="18" charset="0"/>
                 <a:cs typeface="Times New Roman" panose="02020603050405020304" pitchFamily="18" charset="0"/>
               </a:rPr>
@@ -929,7 +827,7 @@
               <a:buNone/>
             </a:pPr>
             <a:r>
-              <a:rPr lang="en-US" sz="1100" dirty="0" smtClean="0">
+              <a:rPr lang="en-US" sz="1100" dirty="0">
                 <a:latin typeface="Times New Roman" panose="02020603050405020304" pitchFamily="18" charset="0"/>
                 <a:cs typeface="Times New Roman" panose="02020603050405020304" pitchFamily="18" charset="0"/>
               </a:rPr>
@@ -945,7 +843,7 @@
               <a:buNone/>
             </a:pPr>
             <a:r>
-              <a:rPr lang="en-US" sz="1100" dirty="0" smtClean="0">
+              <a:rPr lang="en-US" sz="1100" dirty="0">
                 <a:latin typeface="Times New Roman" panose="02020603050405020304" pitchFamily="18" charset="0"/>
                 <a:cs typeface="Times New Roman" panose="02020603050405020304" pitchFamily="18" charset="0"/>
               </a:rPr>
@@ -958,7 +856,7 @@
               <a:buNone/>
             </a:pPr>
             <a:r>
-              <a:rPr lang="en-US" sz="1100" dirty="0" smtClean="0">
+              <a:rPr lang="en-US" sz="1100" dirty="0">
                 <a:latin typeface="Times New Roman" panose="02020603050405020304" pitchFamily="18" charset="0"/>
                 <a:cs typeface="Times New Roman" panose="02020603050405020304" pitchFamily="18" charset="0"/>
               </a:rPr>
@@ -987,7 +885,7 @@
 </p:notes>
 </file>
 
-<file path=ppt/notesSlides/notesSlide3.xml><?xml version="1.0" encoding="utf-8"?>
+<file path=ppt/notesSlides/notesSlide2.xml><?xml version="1.0" encoding="utf-8"?>
 <p:notes xmlns:a="http://schemas.openxmlformats.org/drawingml/2006/main" xmlns:r="http://schemas.openxmlformats.org/officeDocument/2006/relationships" xmlns:p="http://schemas.openxmlformats.org/presentationml/2006/main" showMasterSp="0" showMasterPhAnim="0">
   <p:cSld>
     <p:spTree>
@@ -1091,7 +989,7 @@
 </p:notes>
 </file>
 
-<file path=ppt/notesSlides/notesSlide4.xml><?xml version="1.0" encoding="utf-8"?>
+<file path=ppt/notesSlides/notesSlide3.xml><?xml version="1.0" encoding="utf-8"?>
 <p:notes xmlns:a="http://schemas.openxmlformats.org/drawingml/2006/main" xmlns:r="http://schemas.openxmlformats.org/officeDocument/2006/relationships" xmlns:p="http://schemas.openxmlformats.org/presentationml/2006/main" showMasterSp="0" showMasterPhAnim="0">
   <p:cSld>
     <p:spTree>
@@ -1184,7 +1082,7 @@
               <a:buNone/>
             </a:pPr>
             <a:r>
-              <a:rPr lang="en-US" dirty="0" smtClean="0"/>
+              <a:rPr lang="en-US" dirty="0"/>
               <a:t>Household appliances are essential for modern living, providing convenience, efficiency, and improved quality of life. They save time, enhance comfort, and contribute to a healthier and more organized home environment.</a:t>
             </a:r>
             <a:endParaRPr dirty="0"/>
@@ -1199,7 +1097,7 @@
 </p:notes>
 </file>
 
-<file path=ppt/notesSlides/notesSlide5.xml><?xml version="1.0" encoding="utf-8"?>
+<file path=ppt/notesSlides/notesSlide4.xml><?xml version="1.0" encoding="utf-8"?>
 <p:notes xmlns:a="http://schemas.openxmlformats.org/drawingml/2006/main" xmlns:r="http://schemas.openxmlformats.org/officeDocument/2006/relationships" xmlns:p="http://schemas.openxmlformats.org/presentationml/2006/main" showMasterSp="0" showMasterPhAnim="0">
   <p:cSld>
     <p:spTree>
@@ -1292,10 +1190,10 @@
               <a:buNone/>
             </a:pPr>
             <a:r>
-              <a:rPr lang="en-US" dirty="0" smtClean="0"/>
+              <a:rPr lang="en-US" dirty="0"/>
               <a:t>Household appliances, such as refrigerators and washing machines, play a crucial role in easing daily chores and maintaining a comfortable home environment.</a:t>
             </a:r>
-            <a:endParaRPr lang="hu-HU" dirty="0" smtClean="0"/>
+            <a:endParaRPr lang="hu-HU" dirty="0"/>
           </a:p>
           <a:p>
             <a:pPr marL="0" lvl="0" indent="0" algn="l" rtl="0">
@@ -1308,7 +1206,7 @@
               <a:buNone/>
             </a:pPr>
             <a:r>
-              <a:rPr lang="en-US" dirty="0" smtClean="0"/>
+              <a:rPr lang="en-US" dirty="0"/>
               <a:t>Modern kitchens are equipped with a variety of appliances, from microwaves for quick cooking to blenders and mixers for food preparation.</a:t>
             </a:r>
             <a:endParaRPr dirty="0"/>
@@ -1323,7 +1221,7 @@
 </p:notes>
 </file>
 
-<file path=ppt/notesSlides/notesSlide6.xml><?xml version="1.0" encoding="utf-8"?>
+<file path=ppt/notesSlides/notesSlide5.xml><?xml version="1.0" encoding="utf-8"?>
 <p:notes xmlns:a="http://schemas.openxmlformats.org/drawingml/2006/main" xmlns:r="http://schemas.openxmlformats.org/officeDocument/2006/relationships" xmlns:p="http://schemas.openxmlformats.org/presentationml/2006/main" showMasterSp="0" showMasterPhAnim="0">
   <p:cSld>
     <p:spTree>
@@ -1415,18 +1313,6 @@
               </a:spcAft>
               <a:buNone/>
             </a:pPr>
-            <a:r>
-              <a:rPr lang="hu-HU" dirty="0" smtClean="0"/>
-              <a:t>H</a:t>
-            </a:r>
-            <a:r>
-              <a:rPr lang="en-US" dirty="0" smtClean="0"/>
-              <a:t>ere you can see other tools to use around the house</a:t>
-            </a:r>
-            <a:r>
-              <a:rPr lang="hu-HU" dirty="0" smtClean="0"/>
-              <a:t>.</a:t>
-            </a:r>
             <a:endParaRPr dirty="0"/>
           </a:p>
         </p:txBody>
@@ -1439,7 +1325,7 @@
 </p:notes>
 </file>
 
-<file path=ppt/notesSlides/notesSlide7.xml><?xml version="1.0" encoding="utf-8"?>
+<file path=ppt/notesSlides/notesSlide6.xml><?xml version="1.0" encoding="utf-8"?>
 <p:notes xmlns:a="http://schemas.openxmlformats.org/drawingml/2006/main" xmlns:r="http://schemas.openxmlformats.org/officeDocument/2006/relationships" xmlns:p="http://schemas.openxmlformats.org/presentationml/2006/main" showMasterSp="0" showMasterPhAnim="0">
   <p:cSld>
     <p:spTree>
@@ -1532,10 +1418,10 @@
               <a:buNone/>
             </a:pPr>
             <a:r>
-              <a:rPr lang="en-US" dirty="0" smtClean="0"/>
+              <a:rPr lang="en-US" dirty="0"/>
               <a:t>Chores: Contributing to household chores such as cleaning, laundry, or dishwashing.</a:t>
             </a:r>
-            <a:endParaRPr lang="hu-HU" dirty="0" smtClean="0"/>
+            <a:endParaRPr lang="hu-HU" dirty="0"/>
           </a:p>
           <a:p>
             <a:pPr marL="0" lvl="0" indent="0" algn="l" rtl="0">
@@ -1548,10 +1434,10 @@
               <a:buNone/>
             </a:pPr>
             <a:r>
-              <a:rPr lang="en-US" dirty="0" smtClean="0"/>
+              <a:rPr lang="en-US" dirty="0"/>
               <a:t>Homework and Study: Spending time on academic responsibilities, completing homework, and studying.</a:t>
             </a:r>
-            <a:endParaRPr lang="hu-HU" dirty="0" smtClean="0"/>
+            <a:endParaRPr lang="hu-HU" dirty="0"/>
           </a:p>
           <a:p>
             <a:pPr marL="0" lvl="0" indent="0" algn="l" rtl="0">
@@ -1564,10 +1450,10 @@
               <a:buNone/>
             </a:pPr>
             <a:r>
-              <a:rPr lang="en-US" dirty="0" smtClean="0"/>
+              <a:rPr lang="en-US" dirty="0"/>
               <a:t>Personal Responsibilities: Taking care of personal spaces, such as keeping rooms tidy and organized.</a:t>
             </a:r>
-            <a:endParaRPr lang="hu-HU" dirty="0" smtClean="0"/>
+            <a:endParaRPr lang="hu-HU" dirty="0"/>
           </a:p>
           <a:p>
             <a:pPr marL="0" lvl="0" indent="0" algn="l" rtl="0">
@@ -1580,10 +1466,10 @@
               <a:buNone/>
             </a:pPr>
             <a:r>
-              <a:rPr lang="en-US" dirty="0" smtClean="0"/>
+              <a:rPr lang="en-US" dirty="0"/>
               <a:t>Meal Preparation: Helping with meal preparation or cooking under supervision.</a:t>
             </a:r>
-            <a:endParaRPr lang="hu-HU" dirty="0" smtClean="0"/>
+            <a:endParaRPr lang="hu-HU" dirty="0"/>
           </a:p>
           <a:p>
             <a:pPr marL="0" lvl="0" indent="0" algn="l" rtl="0">
@@ -1596,7 +1482,7 @@
               <a:buNone/>
             </a:pPr>
             <a:r>
-              <a:rPr lang="en-US" dirty="0" smtClean="0"/>
+              <a:rPr lang="en-US" dirty="0"/>
               <a:t>Errands: Running simple errands, like grocery shopping or picking up items.</a:t>
             </a:r>
             <a:endParaRPr dirty="0"/>
@@ -1611,12 +1497,12 @@
 </p:notes>
 </file>
 
-<file path=ppt/notesSlides/notesSlide8.xml><?xml version="1.0" encoding="utf-8"?>
-<p:notes xmlns:a="http://schemas.openxmlformats.org/drawingml/2006/main" xmlns:r="http://schemas.openxmlformats.org/officeDocument/2006/relationships" xmlns:p="http://schemas.openxmlformats.org/presentationml/2006/main" showMasterSp="0" showMasterPhAnim="0">
-  <p:cSld>
+<file path=ppt/slideLayouts/slideLayout1.xml><?xml version="1.0" encoding="utf-8"?>
+<p:sldLayout xmlns:a="http://schemas.openxmlformats.org/drawingml/2006/main" xmlns:r="http://schemas.openxmlformats.org/officeDocument/2006/relationships" xmlns:p="http://schemas.openxmlformats.org/presentationml/2006/main" matchingName="Title and body" type="tx">
+  <p:cSld name="TITLE_AND_BODY">
     <p:spTree>
       <p:nvGrpSpPr>
-        <p:cNvPr id="1" name="Shape 549"/>
+        <p:cNvPr id="1" name="Shape 23"/>
         <p:cNvGrpSpPr/>
         <p:nvPr/>
       </p:nvGrpSpPr>
@@ -1630,48 +1516,136 @@
       </p:grpSpPr>
       <p:sp>
         <p:nvSpPr>
-          <p:cNvPr id="550" name="Google Shape;550;g105aad17dc0_0_95:notes"/>
-          <p:cNvSpPr>
-            <a:spLocks noGrp="1" noRot="1" noChangeAspect="1"/>
+          <p:cNvPr id="24" name="Google Shape;24;p4"/>
+          <p:cNvSpPr txBox="1">
+            <a:spLocks noGrp="1"/>
           </p:cNvSpPr>
           <p:nvPr>
-            <p:ph type="sldImg" idx="2"/>
+            <p:ph type="title"/>
           </p:nvPr>
         </p:nvSpPr>
         <p:spPr>
           <a:xfrm>
-            <a:off x="381000" y="685800"/>
-            <a:ext cx="6096000" cy="3429000"/>
+            <a:off x="713225" y="445025"/>
+            <a:ext cx="4711500" cy="572700"/>
           </a:xfrm>
-          <a:custGeom>
+          <a:prstGeom prst="rect">
             <a:avLst/>
-            <a:gdLst/>
-            <a:ahLst/>
-            <a:cxnLst/>
-            <a:rect l="l" t="t" r="r" b="b"/>
-            <a:pathLst>
-              <a:path w="120000" h="120000" extrusionOk="0">
-                <a:moveTo>
-                  <a:pt x="0" y="0"/>
-                </a:moveTo>
-                <a:lnTo>
-                  <a:pt x="120000" y="0"/>
-                </a:lnTo>
-                <a:lnTo>
-                  <a:pt x="120000" y="120000"/>
-                </a:lnTo>
-                <a:lnTo>
-                  <a:pt x="0" y="120000"/>
-                </a:lnTo>
-                <a:close/>
-              </a:path>
-            </a:pathLst>
-          </a:custGeom>
+          </a:prstGeom>
         </p:spPr>
+        <p:txBody>
+          <a:bodyPr spcFirstLastPara="1" wrap="square" lIns="91425" tIns="91425" rIns="91425" bIns="91425" anchor="t" anchorCtr="0">
+            <a:noAutofit/>
+          </a:bodyPr>
+          <a:lstStyle>
+            <a:lvl1pPr lvl="0">
+              <a:spcBef>
+                <a:spcPts val="0"/>
+              </a:spcBef>
+              <a:spcAft>
+                <a:spcPts val="0"/>
+              </a:spcAft>
+              <a:buSzPts val="3000"/>
+              <a:buNone/>
+              <a:defRPr/>
+            </a:lvl1pPr>
+            <a:lvl2pPr lvl="1">
+              <a:spcBef>
+                <a:spcPts val="0"/>
+              </a:spcBef>
+              <a:spcAft>
+                <a:spcPts val="0"/>
+              </a:spcAft>
+              <a:buSzPts val="3000"/>
+              <a:buNone/>
+              <a:defRPr/>
+            </a:lvl2pPr>
+            <a:lvl3pPr lvl="2">
+              <a:spcBef>
+                <a:spcPts val="0"/>
+              </a:spcBef>
+              <a:spcAft>
+                <a:spcPts val="0"/>
+              </a:spcAft>
+              <a:buSzPts val="3000"/>
+              <a:buNone/>
+              <a:defRPr/>
+            </a:lvl3pPr>
+            <a:lvl4pPr lvl="3">
+              <a:spcBef>
+                <a:spcPts val="0"/>
+              </a:spcBef>
+              <a:spcAft>
+                <a:spcPts val="0"/>
+              </a:spcAft>
+              <a:buSzPts val="3000"/>
+              <a:buNone/>
+              <a:defRPr/>
+            </a:lvl4pPr>
+            <a:lvl5pPr lvl="4">
+              <a:spcBef>
+                <a:spcPts val="0"/>
+              </a:spcBef>
+              <a:spcAft>
+                <a:spcPts val="0"/>
+              </a:spcAft>
+              <a:buSzPts val="3000"/>
+              <a:buNone/>
+              <a:defRPr/>
+            </a:lvl5pPr>
+            <a:lvl6pPr lvl="5">
+              <a:spcBef>
+                <a:spcPts val="0"/>
+              </a:spcBef>
+              <a:spcAft>
+                <a:spcPts val="0"/>
+              </a:spcAft>
+              <a:buSzPts val="3000"/>
+              <a:buNone/>
+              <a:defRPr/>
+            </a:lvl6pPr>
+            <a:lvl7pPr lvl="6">
+              <a:spcBef>
+                <a:spcPts val="0"/>
+              </a:spcBef>
+              <a:spcAft>
+                <a:spcPts val="0"/>
+              </a:spcAft>
+              <a:buSzPts val="3000"/>
+              <a:buNone/>
+              <a:defRPr/>
+            </a:lvl7pPr>
+            <a:lvl8pPr lvl="7">
+              <a:spcBef>
+                <a:spcPts val="0"/>
+              </a:spcBef>
+              <a:spcAft>
+                <a:spcPts val="0"/>
+              </a:spcAft>
+              <a:buSzPts val="3000"/>
+              <a:buNone/>
+              <a:defRPr/>
+            </a:lvl8pPr>
+            <a:lvl9pPr lvl="8">
+              <a:spcBef>
+                <a:spcPts val="0"/>
+              </a:spcBef>
+              <a:spcAft>
+                <a:spcPts val="0"/>
+              </a:spcAft>
+              <a:buSzPts val="3000"/>
+              <a:buNone/>
+              <a:defRPr/>
+            </a:lvl9pPr>
+          </a:lstStyle>
+          <a:p>
+            <a:endParaRPr/>
+          </a:p>
+        </p:txBody>
       </p:sp>
       <p:sp>
         <p:nvSpPr>
-          <p:cNvPr id="551" name="Google Shape;551;g105aad17dc0_0_95:notes"/>
+          <p:cNvPr id="25" name="Google Shape;25;p4"/>
           <p:cNvSpPr txBox="1">
             <a:spLocks noGrp="1"/>
           </p:cNvSpPr>
@@ -1681,8 +1655,8 @@
         </p:nvSpPr>
         <p:spPr>
           <a:xfrm>
-            <a:off x="685800" y="4343400"/>
-            <a:ext cx="5486400" cy="4114800"/>
+            <a:off x="713250" y="1272925"/>
+            <a:ext cx="7717500" cy="3295800"/>
           </a:xfrm>
           <a:prstGeom prst="rect">
             <a:avLst/>
@@ -1692,200 +1666,8 @@
           <a:bodyPr spcFirstLastPara="1" wrap="square" lIns="91425" tIns="91425" rIns="91425" bIns="91425" anchor="t" anchorCtr="0">
             <a:noAutofit/>
           </a:bodyPr>
-          <a:lstStyle/>
-          <a:p>
-            <a:pPr marL="0" lvl="0" indent="0" algn="l" rtl="0">
-              <a:spcBef>
-                <a:spcPts val="0"/>
-              </a:spcBef>
-              <a:spcAft>
-                <a:spcPts val="0"/>
-              </a:spcAft>
-              <a:buNone/>
-            </a:pPr>
-            <a:endParaRPr/>
-          </a:p>
-        </p:txBody>
-      </p:sp>
-    </p:spTree>
-  </p:cSld>
-  <p:clrMapOvr>
-    <a:masterClrMapping/>
-  </p:clrMapOvr>
-</p:notes>
-</file>
-
-<file path=ppt/slideLayouts/slideLayout1.xml><?xml version="1.0" encoding="utf-8"?>
-<p:sldLayout xmlns:a="http://schemas.openxmlformats.org/drawingml/2006/main" xmlns:r="http://schemas.openxmlformats.org/officeDocument/2006/relationships" xmlns:p="http://schemas.openxmlformats.org/presentationml/2006/main" matchingName="Title slide" type="title">
-  <p:cSld name="TITLE">
-    <p:spTree>
-      <p:nvGrpSpPr>
-        <p:cNvPr id="1" name="Shape 8"/>
-        <p:cNvGrpSpPr/>
-        <p:nvPr/>
-      </p:nvGrpSpPr>
-      <p:grpSpPr>
-        <a:xfrm>
-          <a:off x="0" y="0"/>
-          <a:ext cx="0" cy="0"/>
-          <a:chOff x="0" y="0"/>
-          <a:chExt cx="0" cy="0"/>
-        </a:xfrm>
-      </p:grpSpPr>
-      <p:sp>
-        <p:nvSpPr>
-          <p:cNvPr id="9" name="Google Shape;9;p2"/>
-          <p:cNvSpPr txBox="1">
-            <a:spLocks noGrp="1"/>
-          </p:cNvSpPr>
-          <p:nvPr>
-            <p:ph type="ctrTitle"/>
-          </p:nvPr>
-        </p:nvSpPr>
-        <p:spPr>
-          <a:xfrm>
-            <a:off x="1039975" y="1324500"/>
-            <a:ext cx="7064100" cy="2052600"/>
-          </a:xfrm>
-          <a:prstGeom prst="rect">
-            <a:avLst/>
-          </a:prstGeom>
-        </p:spPr>
-        <p:txBody>
-          <a:bodyPr spcFirstLastPara="1" wrap="square" lIns="91425" tIns="91425" rIns="91425" bIns="91425" anchor="b" anchorCtr="0">
-            <a:noAutofit/>
-          </a:bodyPr>
           <a:lstStyle>
-            <a:lvl1pPr lvl="0" algn="ctr">
-              <a:spcBef>
-                <a:spcPts val="0"/>
-              </a:spcBef>
-              <a:spcAft>
-                <a:spcPts val="0"/>
-              </a:spcAft>
-              <a:buSzPts val="5200"/>
-              <a:buNone/>
-              <a:defRPr sz="6500"/>
-            </a:lvl1pPr>
-            <a:lvl2pPr lvl="1" algn="ctr">
-              <a:spcBef>
-                <a:spcPts val="0"/>
-              </a:spcBef>
-              <a:spcAft>
-                <a:spcPts val="0"/>
-              </a:spcAft>
-              <a:buSzPts val="5200"/>
-              <a:buNone/>
-              <a:defRPr sz="5200"/>
-            </a:lvl2pPr>
-            <a:lvl3pPr lvl="2" algn="ctr">
-              <a:spcBef>
-                <a:spcPts val="0"/>
-              </a:spcBef>
-              <a:spcAft>
-                <a:spcPts val="0"/>
-              </a:spcAft>
-              <a:buSzPts val="5200"/>
-              <a:buNone/>
-              <a:defRPr sz="5200"/>
-            </a:lvl3pPr>
-            <a:lvl4pPr lvl="3" algn="ctr">
-              <a:spcBef>
-                <a:spcPts val="0"/>
-              </a:spcBef>
-              <a:spcAft>
-                <a:spcPts val="0"/>
-              </a:spcAft>
-              <a:buSzPts val="5200"/>
-              <a:buNone/>
-              <a:defRPr sz="5200"/>
-            </a:lvl4pPr>
-            <a:lvl5pPr lvl="4" algn="ctr">
-              <a:spcBef>
-                <a:spcPts val="0"/>
-              </a:spcBef>
-              <a:spcAft>
-                <a:spcPts val="0"/>
-              </a:spcAft>
-              <a:buSzPts val="5200"/>
-              <a:buNone/>
-              <a:defRPr sz="5200"/>
-            </a:lvl5pPr>
-            <a:lvl6pPr lvl="5" algn="ctr">
-              <a:spcBef>
-                <a:spcPts val="0"/>
-              </a:spcBef>
-              <a:spcAft>
-                <a:spcPts val="0"/>
-              </a:spcAft>
-              <a:buSzPts val="5200"/>
-              <a:buNone/>
-              <a:defRPr sz="5200"/>
-            </a:lvl6pPr>
-            <a:lvl7pPr lvl="6" algn="ctr">
-              <a:spcBef>
-                <a:spcPts val="0"/>
-              </a:spcBef>
-              <a:spcAft>
-                <a:spcPts val="0"/>
-              </a:spcAft>
-              <a:buSzPts val="5200"/>
-              <a:buNone/>
-              <a:defRPr sz="5200"/>
-            </a:lvl7pPr>
-            <a:lvl8pPr lvl="7" algn="ctr">
-              <a:spcBef>
-                <a:spcPts val="0"/>
-              </a:spcBef>
-              <a:spcAft>
-                <a:spcPts val="0"/>
-              </a:spcAft>
-              <a:buSzPts val="5200"/>
-              <a:buNone/>
-              <a:defRPr sz="5200"/>
-            </a:lvl8pPr>
-            <a:lvl9pPr lvl="8" algn="ctr">
-              <a:spcBef>
-                <a:spcPts val="0"/>
-              </a:spcBef>
-              <a:spcAft>
-                <a:spcPts val="0"/>
-              </a:spcAft>
-              <a:buSzPts val="5200"/>
-              <a:buNone/>
-              <a:defRPr sz="5200"/>
-            </a:lvl9pPr>
-          </a:lstStyle>
-          <a:p>
-            <a:endParaRPr/>
-          </a:p>
-        </p:txBody>
-      </p:sp>
-      <p:sp>
-        <p:nvSpPr>
-          <p:cNvPr id="10" name="Google Shape;10;p2"/>
-          <p:cNvSpPr txBox="1">
-            <a:spLocks noGrp="1"/>
-          </p:cNvSpPr>
-          <p:nvPr>
-            <p:ph type="subTitle" idx="1"/>
-          </p:nvPr>
-        </p:nvSpPr>
-        <p:spPr>
-          <a:xfrm>
-            <a:off x="1040000" y="3377100"/>
-            <a:ext cx="7064100" cy="441900"/>
-          </a:xfrm>
-          <a:prstGeom prst="rect">
-            <a:avLst/>
-          </a:prstGeom>
-        </p:spPr>
-        <p:txBody>
-          <a:bodyPr spcFirstLastPara="1" wrap="square" lIns="91425" tIns="91425" rIns="91425" bIns="91425" anchor="b" anchorCtr="0">
-            <a:noAutofit/>
-          </a:bodyPr>
-          <a:lstStyle>
-            <a:lvl1pPr lvl="0" algn="ctr">
+            <a:lvl1pPr marL="457200" lvl="0" indent="-342900">
               <a:lnSpc>
                 <a:spcPct val="100000"/>
               </a:lnSpc>
@@ -1895,121 +1677,133 @@
               <a:spcAft>
                 <a:spcPts val="0"/>
               </a:spcAft>
-              <a:buSzPts val="2800"/>
-              <a:buNone/>
-              <a:defRPr sz="1600"/>
+              <a:buClr>
+                <a:schemeClr val="dk1"/>
+              </a:buClr>
+              <a:buSzPts val="1800"/>
+              <a:buFont typeface="Lato"/>
+              <a:buChar char="●"/>
+              <a:defRPr sz="1100"/>
             </a:lvl1pPr>
-            <a:lvl2pPr lvl="1" algn="ctr">
-              <a:lnSpc>
-                <a:spcPct val="100000"/>
-              </a:lnSpc>
-              <a:spcBef>
-                <a:spcPts val="0"/>
-              </a:spcBef>
-              <a:spcAft>
-                <a:spcPts val="0"/>
-              </a:spcAft>
-              <a:buSzPts val="2800"/>
-              <a:buNone/>
-              <a:defRPr sz="2800"/>
+            <a:lvl2pPr marL="914400" lvl="1" indent="-317500">
+              <a:spcBef>
+                <a:spcPts val="0"/>
+              </a:spcBef>
+              <a:spcAft>
+                <a:spcPts val="0"/>
+              </a:spcAft>
+              <a:buClr>
+                <a:schemeClr val="dk1"/>
+              </a:buClr>
+              <a:buSzPts val="1400"/>
+              <a:buFont typeface="Lato"/>
+              <a:buChar char="○"/>
+              <a:defRPr/>
             </a:lvl2pPr>
-            <a:lvl3pPr lvl="2" algn="ctr">
-              <a:lnSpc>
-                <a:spcPct val="100000"/>
-              </a:lnSpc>
-              <a:spcBef>
-                <a:spcPts val="0"/>
-              </a:spcBef>
-              <a:spcAft>
-                <a:spcPts val="0"/>
-              </a:spcAft>
-              <a:buSzPts val="2800"/>
-              <a:buNone/>
-              <a:defRPr sz="2800"/>
+            <a:lvl3pPr marL="1371600" lvl="2" indent="-317500">
+              <a:spcBef>
+                <a:spcPts val="0"/>
+              </a:spcBef>
+              <a:spcAft>
+                <a:spcPts val="0"/>
+              </a:spcAft>
+              <a:buClr>
+                <a:schemeClr val="dk1"/>
+              </a:buClr>
+              <a:buSzPts val="1400"/>
+              <a:buFont typeface="Lato"/>
+              <a:buChar char="■"/>
+              <a:defRPr/>
             </a:lvl3pPr>
-            <a:lvl4pPr lvl="3" algn="ctr">
-              <a:lnSpc>
-                <a:spcPct val="100000"/>
-              </a:lnSpc>
-              <a:spcBef>
-                <a:spcPts val="0"/>
-              </a:spcBef>
-              <a:spcAft>
-                <a:spcPts val="0"/>
-              </a:spcAft>
-              <a:buSzPts val="2800"/>
-              <a:buNone/>
-              <a:defRPr sz="2800"/>
+            <a:lvl4pPr marL="1828800" lvl="3" indent="-317500">
+              <a:spcBef>
+                <a:spcPts val="0"/>
+              </a:spcBef>
+              <a:spcAft>
+                <a:spcPts val="0"/>
+              </a:spcAft>
+              <a:buClr>
+                <a:schemeClr val="dk1"/>
+              </a:buClr>
+              <a:buSzPts val="1400"/>
+              <a:buFont typeface="Lato"/>
+              <a:buChar char="●"/>
+              <a:defRPr/>
             </a:lvl4pPr>
-            <a:lvl5pPr lvl="4" algn="ctr">
-              <a:lnSpc>
-                <a:spcPct val="100000"/>
-              </a:lnSpc>
-              <a:spcBef>
-                <a:spcPts val="0"/>
-              </a:spcBef>
-              <a:spcAft>
-                <a:spcPts val="0"/>
-              </a:spcAft>
-              <a:buSzPts val="2800"/>
-              <a:buNone/>
-              <a:defRPr sz="2800"/>
+            <a:lvl5pPr marL="2286000" lvl="4" indent="-317500">
+              <a:spcBef>
+                <a:spcPts val="0"/>
+              </a:spcBef>
+              <a:spcAft>
+                <a:spcPts val="0"/>
+              </a:spcAft>
+              <a:buClr>
+                <a:schemeClr val="dk1"/>
+              </a:buClr>
+              <a:buSzPts val="1400"/>
+              <a:buFont typeface="Lato"/>
+              <a:buChar char="○"/>
+              <a:defRPr/>
             </a:lvl5pPr>
-            <a:lvl6pPr lvl="5" algn="ctr">
-              <a:lnSpc>
-                <a:spcPct val="100000"/>
-              </a:lnSpc>
-              <a:spcBef>
-                <a:spcPts val="0"/>
-              </a:spcBef>
-              <a:spcAft>
-                <a:spcPts val="0"/>
-              </a:spcAft>
-              <a:buSzPts val="2800"/>
-              <a:buNone/>
-              <a:defRPr sz="2800"/>
+            <a:lvl6pPr marL="2743200" lvl="5" indent="-317500">
+              <a:spcBef>
+                <a:spcPts val="0"/>
+              </a:spcBef>
+              <a:spcAft>
+                <a:spcPts val="0"/>
+              </a:spcAft>
+              <a:buClr>
+                <a:schemeClr val="dk1"/>
+              </a:buClr>
+              <a:buSzPts val="1400"/>
+              <a:buFont typeface="Lato"/>
+              <a:buChar char="■"/>
+              <a:defRPr/>
             </a:lvl6pPr>
-            <a:lvl7pPr lvl="6" algn="ctr">
-              <a:lnSpc>
-                <a:spcPct val="100000"/>
-              </a:lnSpc>
-              <a:spcBef>
-                <a:spcPts val="0"/>
-              </a:spcBef>
-              <a:spcAft>
-                <a:spcPts val="0"/>
-              </a:spcAft>
-              <a:buSzPts val="2800"/>
-              <a:buNone/>
-              <a:defRPr sz="2800"/>
+            <a:lvl7pPr marL="3200400" lvl="6" indent="-317500">
+              <a:spcBef>
+                <a:spcPts val="0"/>
+              </a:spcBef>
+              <a:spcAft>
+                <a:spcPts val="0"/>
+              </a:spcAft>
+              <a:buClr>
+                <a:schemeClr val="dk1"/>
+              </a:buClr>
+              <a:buSzPts val="1400"/>
+              <a:buFont typeface="Lato"/>
+              <a:buChar char="●"/>
+              <a:defRPr/>
             </a:lvl7pPr>
-            <a:lvl8pPr lvl="7" algn="ctr">
-              <a:lnSpc>
-                <a:spcPct val="100000"/>
-              </a:lnSpc>
-              <a:spcBef>
-                <a:spcPts val="0"/>
-              </a:spcBef>
-              <a:spcAft>
-                <a:spcPts val="0"/>
-              </a:spcAft>
-              <a:buSzPts val="2800"/>
-              <a:buNone/>
-              <a:defRPr sz="2800"/>
+            <a:lvl8pPr marL="3657600" lvl="7" indent="-317500">
+              <a:spcBef>
+                <a:spcPts val="0"/>
+              </a:spcBef>
+              <a:spcAft>
+                <a:spcPts val="0"/>
+              </a:spcAft>
+              <a:buClr>
+                <a:schemeClr val="dk1"/>
+              </a:buClr>
+              <a:buSzPts val="1400"/>
+              <a:buFont typeface="Lato"/>
+              <a:buChar char="○"/>
+              <a:defRPr/>
             </a:lvl8pPr>
-            <a:lvl9pPr lvl="8" algn="ctr">
-              <a:lnSpc>
-                <a:spcPct val="100000"/>
-              </a:lnSpc>
-              <a:spcBef>
-                <a:spcPts val="0"/>
-              </a:spcBef>
-              <a:spcAft>
-                <a:spcPts val="0"/>
-              </a:spcAft>
-              <a:buSzPts val="2800"/>
-              <a:buNone/>
-              <a:defRPr sz="2800"/>
+            <a:lvl9pPr marL="4114800" lvl="8" indent="-317500">
+              <a:spcBef>
+                <a:spcPts val="0"/>
+              </a:spcBef>
+              <a:spcAft>
+                <a:spcPts val="0"/>
+              </a:spcAft>
+              <a:buClr>
+                <a:schemeClr val="dk1"/>
+              </a:buClr>
+              <a:buSzPts val="1400"/>
+              <a:buFont typeface="Lato"/>
+              <a:buChar char="■"/>
+              <a:defRPr/>
             </a:lvl9pPr>
           </a:lstStyle>
           <a:p>
@@ -2019,7 +1813,7 @@
       </p:sp>
       <p:cxnSp>
         <p:nvCxnSpPr>
-          <p:cNvPr id="11" name="Google Shape;11;p2"/>
+          <p:cNvPr id="26" name="Google Shape;26;p4"/>
           <p:cNvCxnSpPr/>
           <p:nvPr/>
         </p:nvCxnSpPr>
@@ -2045,35 +1839,7 @@
       </p:cxnSp>
       <p:cxnSp>
         <p:nvCxnSpPr>
-          <p:cNvPr id="12" name="Google Shape;12;p2"/>
-          <p:cNvCxnSpPr/>
-          <p:nvPr/>
-        </p:nvCxnSpPr>
-        <p:spPr>
-          <a:xfrm flipH="1">
-            <a:off x="-257975" y="-72550"/>
-            <a:ext cx="3047400" cy="1346400"/>
-          </a:xfrm>
-          <a:prstGeom prst="curvedConnector3">
-            <a:avLst>
-              <a:gd name="adj1" fmla="val 50000"/>
-            </a:avLst>
-          </a:prstGeom>
-          <a:noFill/>
-          <a:ln w="28575" cap="flat" cmpd="sng">
-            <a:solidFill>
-              <a:schemeClr val="accent2"/>
-            </a:solidFill>
-            <a:prstDash val="solid"/>
-            <a:round/>
-            <a:headEnd type="none" w="med" len="med"/>
-            <a:tailEnd type="none" w="med" len="med"/>
-          </a:ln>
-        </p:spPr>
-      </p:cxnSp>
-      <p:cxnSp>
-        <p:nvCxnSpPr>
-          <p:cNvPr id="13" name="Google Shape;13;p2"/>
+          <p:cNvPr id="27" name="Google Shape;27;p4"/>
           <p:cNvCxnSpPr/>
           <p:nvPr/>
         </p:nvCxnSpPr>
@@ -2099,14 +1865,14 @@
       </p:cxnSp>
       <p:cxnSp>
         <p:nvCxnSpPr>
-          <p:cNvPr id="14" name="Google Shape;14;p2"/>
+          <p:cNvPr id="28" name="Google Shape;28;p4"/>
           <p:cNvCxnSpPr/>
           <p:nvPr/>
         </p:nvCxnSpPr>
         <p:spPr>
-          <a:xfrm flipH="1">
-            <a:off x="6467450" y="3935375"/>
-            <a:ext cx="3047400" cy="1346400"/>
+          <a:xfrm>
+            <a:off x="6884900" y="-113600"/>
+            <a:ext cx="2565600" cy="1306200"/>
           </a:xfrm>
           <a:prstGeom prst="curvedConnector3">
             <a:avLst>
@@ -2134,216 +1900,6 @@
 </file>
 
 <file path=ppt/slideLayouts/slideLayout10.xml><?xml version="1.0" encoding="utf-8"?>
-<p:sldLayout xmlns:a="http://schemas.openxmlformats.org/drawingml/2006/main" xmlns:r="http://schemas.openxmlformats.org/officeDocument/2006/relationships" xmlns:p="http://schemas.openxmlformats.org/presentationml/2006/main" matchingName="Background">
-  <p:cSld name="CUSTOM_10">
-    <p:spTree>
-      <p:nvGrpSpPr>
-        <p:cNvPr id="1" name="Shape 449"/>
-        <p:cNvGrpSpPr/>
-        <p:nvPr/>
-      </p:nvGrpSpPr>
-      <p:grpSpPr>
-        <a:xfrm>
-          <a:off x="0" y="0"/>
-          <a:ext cx="0" cy="0"/>
-          <a:chOff x="0" y="0"/>
-          <a:chExt cx="0" cy="0"/>
-        </a:xfrm>
-      </p:grpSpPr>
-      <p:cxnSp>
-        <p:nvCxnSpPr>
-          <p:cNvPr id="450" name="Google Shape;450;p50"/>
-          <p:cNvCxnSpPr/>
-          <p:nvPr/>
-        </p:nvCxnSpPr>
-        <p:spPr>
-          <a:xfrm>
-            <a:off x="-72550" y="4877450"/>
-            <a:ext cx="9287400" cy="0"/>
-          </a:xfrm>
-          <a:prstGeom prst="straightConnector1">
-            <a:avLst/>
-          </a:prstGeom>
-          <a:noFill/>
-          <a:ln w="28575" cap="flat" cmpd="sng">
-            <a:solidFill>
-              <a:schemeClr val="accent1"/>
-            </a:solidFill>
-            <a:prstDash val="solid"/>
-            <a:round/>
-            <a:headEnd type="none" w="med" len="med"/>
-            <a:tailEnd type="none" w="med" len="med"/>
-          </a:ln>
-        </p:spPr>
-      </p:cxnSp>
-      <p:cxnSp>
-        <p:nvCxnSpPr>
-          <p:cNvPr id="451" name="Google Shape;451;p50"/>
-          <p:cNvCxnSpPr/>
-          <p:nvPr/>
-        </p:nvCxnSpPr>
-        <p:spPr>
-          <a:xfrm>
-            <a:off x="-72550" y="274100"/>
-            <a:ext cx="9287400" cy="0"/>
-          </a:xfrm>
-          <a:prstGeom prst="straightConnector1">
-            <a:avLst/>
-          </a:prstGeom>
-          <a:noFill/>
-          <a:ln w="28575" cap="flat" cmpd="sng">
-            <a:solidFill>
-              <a:schemeClr val="accent1"/>
-            </a:solidFill>
-            <a:prstDash val="solid"/>
-            <a:round/>
-            <a:headEnd type="none" w="med" len="med"/>
-            <a:tailEnd type="none" w="med" len="med"/>
-          </a:ln>
-        </p:spPr>
-      </p:cxnSp>
-    </p:spTree>
-  </p:cSld>
-  <p:clrMapOvr>
-    <a:masterClrMapping/>
-  </p:clrMapOvr>
-</p:sldLayout>
-</file>
-
-<file path=ppt/slideLayouts/slideLayout11.xml><?xml version="1.0" encoding="utf-8"?>
-<p:sldLayout xmlns:a="http://schemas.openxmlformats.org/drawingml/2006/main" xmlns:r="http://schemas.openxmlformats.org/officeDocument/2006/relationships" xmlns:p="http://schemas.openxmlformats.org/presentationml/2006/main" matchingName="Background 1">
-  <p:cSld name="CUSTOM_10_1">
-    <p:spTree>
-      <p:nvGrpSpPr>
-        <p:cNvPr id="1" name="Shape 452"/>
-        <p:cNvGrpSpPr/>
-        <p:nvPr/>
-      </p:nvGrpSpPr>
-      <p:grpSpPr>
-        <a:xfrm>
-          <a:off x="0" y="0"/>
-          <a:ext cx="0" cy="0"/>
-          <a:chOff x="0" y="0"/>
-          <a:chExt cx="0" cy="0"/>
-        </a:xfrm>
-      </p:grpSpPr>
-      <p:cxnSp>
-        <p:nvCxnSpPr>
-          <p:cNvPr id="453" name="Google Shape;453;p51"/>
-          <p:cNvCxnSpPr/>
-          <p:nvPr/>
-        </p:nvCxnSpPr>
-        <p:spPr>
-          <a:xfrm>
-            <a:off x="-72550" y="4877450"/>
-            <a:ext cx="9287400" cy="0"/>
-          </a:xfrm>
-          <a:prstGeom prst="straightConnector1">
-            <a:avLst/>
-          </a:prstGeom>
-          <a:noFill/>
-          <a:ln w="28575" cap="flat" cmpd="sng">
-            <a:solidFill>
-              <a:schemeClr val="accent1"/>
-            </a:solidFill>
-            <a:prstDash val="solid"/>
-            <a:round/>
-            <a:headEnd type="none" w="med" len="med"/>
-            <a:tailEnd type="none" w="med" len="med"/>
-          </a:ln>
-        </p:spPr>
-      </p:cxnSp>
-      <p:cxnSp>
-        <p:nvCxnSpPr>
-          <p:cNvPr id="454" name="Google Shape;454;p51"/>
-          <p:cNvCxnSpPr/>
-          <p:nvPr/>
-        </p:nvCxnSpPr>
-        <p:spPr>
-          <a:xfrm>
-            <a:off x="-72550" y="274100"/>
-            <a:ext cx="9287400" cy="0"/>
-          </a:xfrm>
-          <a:prstGeom prst="straightConnector1">
-            <a:avLst/>
-          </a:prstGeom>
-          <a:noFill/>
-          <a:ln w="28575" cap="flat" cmpd="sng">
-            <a:solidFill>
-              <a:schemeClr val="accent1"/>
-            </a:solidFill>
-            <a:prstDash val="solid"/>
-            <a:round/>
-            <a:headEnd type="none" w="med" len="med"/>
-            <a:tailEnd type="none" w="med" len="med"/>
-          </a:ln>
-        </p:spPr>
-      </p:cxnSp>
-      <p:cxnSp>
-        <p:nvCxnSpPr>
-          <p:cNvPr id="455" name="Google Shape;455;p51"/>
-          <p:cNvCxnSpPr/>
-          <p:nvPr/>
-        </p:nvCxnSpPr>
-        <p:spPr>
-          <a:xfrm>
-            <a:off x="7434175" y="-125600"/>
-            <a:ext cx="1993200" cy="1330200"/>
-          </a:xfrm>
-          <a:prstGeom prst="curvedConnector3">
-            <a:avLst>
-              <a:gd name="adj1" fmla="val 50000"/>
-            </a:avLst>
-          </a:prstGeom>
-          <a:noFill/>
-          <a:ln w="28575" cap="flat" cmpd="sng">
-            <a:solidFill>
-              <a:schemeClr val="accent2"/>
-            </a:solidFill>
-            <a:prstDash val="solid"/>
-            <a:round/>
-            <a:headEnd type="none" w="med" len="med"/>
-            <a:tailEnd type="none" w="med" len="med"/>
-          </a:ln>
-        </p:spPr>
-      </p:cxnSp>
-      <p:cxnSp>
-        <p:nvCxnSpPr>
-          <p:cNvPr id="456" name="Google Shape;456;p51"/>
-          <p:cNvCxnSpPr/>
-          <p:nvPr/>
-        </p:nvCxnSpPr>
-        <p:spPr>
-          <a:xfrm>
-            <a:off x="-147275" y="3943475"/>
-            <a:ext cx="1993200" cy="1330200"/>
-          </a:xfrm>
-          <a:prstGeom prst="curvedConnector3">
-            <a:avLst>
-              <a:gd name="adj1" fmla="val 50000"/>
-            </a:avLst>
-          </a:prstGeom>
-          <a:noFill/>
-          <a:ln w="28575" cap="flat" cmpd="sng">
-            <a:solidFill>
-              <a:schemeClr val="accent2"/>
-            </a:solidFill>
-            <a:prstDash val="solid"/>
-            <a:round/>
-            <a:headEnd type="none" w="med" len="med"/>
-            <a:tailEnd type="none" w="med" len="med"/>
-          </a:ln>
-        </p:spPr>
-      </p:cxnSp>
-    </p:spTree>
-  </p:cSld>
-  <p:clrMapOvr>
-    <a:masterClrMapping/>
-  </p:clrMapOvr>
-</p:sldLayout>
-</file>
-
-<file path=ppt/slideLayouts/slideLayout12.xml><?xml version="1.0" encoding="utf-8"?>
 <p:sldLayout xmlns:a="http://schemas.openxmlformats.org/drawingml/2006/main" xmlns:r="http://schemas.openxmlformats.org/officeDocument/2006/relationships" xmlns:p="http://schemas.openxmlformats.org/presentationml/2006/main" matchingName="Background 2">
   <p:cSld name="CUSTOM_10_1_1">
     <p:spTree>
@@ -2448,7 +2004,7 @@
 </p:sldLayout>
 </file>
 
-<file path=ppt/slideLayouts/slideLayout13.xml><?xml version="1.0" encoding="utf-8"?>
+<file path=ppt/slideLayouts/slideLayout11.xml><?xml version="1.0" encoding="utf-8"?>
 <p:sldLayout xmlns:a="http://schemas.openxmlformats.org/drawingml/2006/main" xmlns:r="http://schemas.openxmlformats.org/officeDocument/2006/relationships" xmlns:p="http://schemas.openxmlformats.org/presentationml/2006/main" matchingName="Background 3">
   <p:cSld name="CUSTOM_30">
     <p:spTree>
@@ -2638,408 +2194,6 @@
 </file>
 
 <file path=ppt/slideLayouts/slideLayout2.xml><?xml version="1.0" encoding="utf-8"?>
-<p:sldLayout xmlns:a="http://schemas.openxmlformats.org/drawingml/2006/main" xmlns:r="http://schemas.openxmlformats.org/officeDocument/2006/relationships" xmlns:p="http://schemas.openxmlformats.org/presentationml/2006/main" matchingName="Title and body" type="tx">
-  <p:cSld name="TITLE_AND_BODY">
-    <p:spTree>
-      <p:nvGrpSpPr>
-        <p:cNvPr id="1" name="Shape 23"/>
-        <p:cNvGrpSpPr/>
-        <p:nvPr/>
-      </p:nvGrpSpPr>
-      <p:grpSpPr>
-        <a:xfrm>
-          <a:off x="0" y="0"/>
-          <a:ext cx="0" cy="0"/>
-          <a:chOff x="0" y="0"/>
-          <a:chExt cx="0" cy="0"/>
-        </a:xfrm>
-      </p:grpSpPr>
-      <p:sp>
-        <p:nvSpPr>
-          <p:cNvPr id="24" name="Google Shape;24;p4"/>
-          <p:cNvSpPr txBox="1">
-            <a:spLocks noGrp="1"/>
-          </p:cNvSpPr>
-          <p:nvPr>
-            <p:ph type="title"/>
-          </p:nvPr>
-        </p:nvSpPr>
-        <p:spPr>
-          <a:xfrm>
-            <a:off x="713225" y="445025"/>
-            <a:ext cx="4711500" cy="572700"/>
-          </a:xfrm>
-          <a:prstGeom prst="rect">
-            <a:avLst/>
-          </a:prstGeom>
-        </p:spPr>
-        <p:txBody>
-          <a:bodyPr spcFirstLastPara="1" wrap="square" lIns="91425" tIns="91425" rIns="91425" bIns="91425" anchor="t" anchorCtr="0">
-            <a:noAutofit/>
-          </a:bodyPr>
-          <a:lstStyle>
-            <a:lvl1pPr lvl="0">
-              <a:spcBef>
-                <a:spcPts val="0"/>
-              </a:spcBef>
-              <a:spcAft>
-                <a:spcPts val="0"/>
-              </a:spcAft>
-              <a:buSzPts val="3000"/>
-              <a:buNone/>
-              <a:defRPr/>
-            </a:lvl1pPr>
-            <a:lvl2pPr lvl="1">
-              <a:spcBef>
-                <a:spcPts val="0"/>
-              </a:spcBef>
-              <a:spcAft>
-                <a:spcPts val="0"/>
-              </a:spcAft>
-              <a:buSzPts val="3000"/>
-              <a:buNone/>
-              <a:defRPr/>
-            </a:lvl2pPr>
-            <a:lvl3pPr lvl="2">
-              <a:spcBef>
-                <a:spcPts val="0"/>
-              </a:spcBef>
-              <a:spcAft>
-                <a:spcPts val="0"/>
-              </a:spcAft>
-              <a:buSzPts val="3000"/>
-              <a:buNone/>
-              <a:defRPr/>
-            </a:lvl3pPr>
-            <a:lvl4pPr lvl="3">
-              <a:spcBef>
-                <a:spcPts val="0"/>
-              </a:spcBef>
-              <a:spcAft>
-                <a:spcPts val="0"/>
-              </a:spcAft>
-              <a:buSzPts val="3000"/>
-              <a:buNone/>
-              <a:defRPr/>
-            </a:lvl4pPr>
-            <a:lvl5pPr lvl="4">
-              <a:spcBef>
-                <a:spcPts val="0"/>
-              </a:spcBef>
-              <a:spcAft>
-                <a:spcPts val="0"/>
-              </a:spcAft>
-              <a:buSzPts val="3000"/>
-              <a:buNone/>
-              <a:defRPr/>
-            </a:lvl5pPr>
-            <a:lvl6pPr lvl="5">
-              <a:spcBef>
-                <a:spcPts val="0"/>
-              </a:spcBef>
-              <a:spcAft>
-                <a:spcPts val="0"/>
-              </a:spcAft>
-              <a:buSzPts val="3000"/>
-              <a:buNone/>
-              <a:defRPr/>
-            </a:lvl6pPr>
-            <a:lvl7pPr lvl="6">
-              <a:spcBef>
-                <a:spcPts val="0"/>
-              </a:spcBef>
-              <a:spcAft>
-                <a:spcPts val="0"/>
-              </a:spcAft>
-              <a:buSzPts val="3000"/>
-              <a:buNone/>
-              <a:defRPr/>
-            </a:lvl7pPr>
-            <a:lvl8pPr lvl="7">
-              <a:spcBef>
-                <a:spcPts val="0"/>
-              </a:spcBef>
-              <a:spcAft>
-                <a:spcPts val="0"/>
-              </a:spcAft>
-              <a:buSzPts val="3000"/>
-              <a:buNone/>
-              <a:defRPr/>
-            </a:lvl8pPr>
-            <a:lvl9pPr lvl="8">
-              <a:spcBef>
-                <a:spcPts val="0"/>
-              </a:spcBef>
-              <a:spcAft>
-                <a:spcPts val="0"/>
-              </a:spcAft>
-              <a:buSzPts val="3000"/>
-              <a:buNone/>
-              <a:defRPr/>
-            </a:lvl9pPr>
-          </a:lstStyle>
-          <a:p>
-            <a:endParaRPr/>
-          </a:p>
-        </p:txBody>
-      </p:sp>
-      <p:sp>
-        <p:nvSpPr>
-          <p:cNvPr id="25" name="Google Shape;25;p4"/>
-          <p:cNvSpPr txBox="1">
-            <a:spLocks noGrp="1"/>
-          </p:cNvSpPr>
-          <p:nvPr>
-            <p:ph type="body" idx="1"/>
-          </p:nvPr>
-        </p:nvSpPr>
-        <p:spPr>
-          <a:xfrm>
-            <a:off x="713250" y="1272925"/>
-            <a:ext cx="7717500" cy="3295800"/>
-          </a:xfrm>
-          <a:prstGeom prst="rect">
-            <a:avLst/>
-          </a:prstGeom>
-        </p:spPr>
-        <p:txBody>
-          <a:bodyPr spcFirstLastPara="1" wrap="square" lIns="91425" tIns="91425" rIns="91425" bIns="91425" anchor="t" anchorCtr="0">
-            <a:noAutofit/>
-          </a:bodyPr>
-          <a:lstStyle>
-            <a:lvl1pPr marL="457200" lvl="0" indent="-342900">
-              <a:lnSpc>
-                <a:spcPct val="100000"/>
-              </a:lnSpc>
-              <a:spcBef>
-                <a:spcPts val="0"/>
-              </a:spcBef>
-              <a:spcAft>
-                <a:spcPts val="0"/>
-              </a:spcAft>
-              <a:buClr>
-                <a:schemeClr val="dk1"/>
-              </a:buClr>
-              <a:buSzPts val="1800"/>
-              <a:buFont typeface="Lato"/>
-              <a:buChar char="●"/>
-              <a:defRPr sz="1100"/>
-            </a:lvl1pPr>
-            <a:lvl2pPr marL="914400" lvl="1" indent="-317500">
-              <a:spcBef>
-                <a:spcPts val="0"/>
-              </a:spcBef>
-              <a:spcAft>
-                <a:spcPts val="0"/>
-              </a:spcAft>
-              <a:buClr>
-                <a:schemeClr val="dk1"/>
-              </a:buClr>
-              <a:buSzPts val="1400"/>
-              <a:buFont typeface="Lato"/>
-              <a:buChar char="○"/>
-              <a:defRPr/>
-            </a:lvl2pPr>
-            <a:lvl3pPr marL="1371600" lvl="2" indent="-317500">
-              <a:spcBef>
-                <a:spcPts val="0"/>
-              </a:spcBef>
-              <a:spcAft>
-                <a:spcPts val="0"/>
-              </a:spcAft>
-              <a:buClr>
-                <a:schemeClr val="dk1"/>
-              </a:buClr>
-              <a:buSzPts val="1400"/>
-              <a:buFont typeface="Lato"/>
-              <a:buChar char="■"/>
-              <a:defRPr/>
-            </a:lvl3pPr>
-            <a:lvl4pPr marL="1828800" lvl="3" indent="-317500">
-              <a:spcBef>
-                <a:spcPts val="0"/>
-              </a:spcBef>
-              <a:spcAft>
-                <a:spcPts val="0"/>
-              </a:spcAft>
-              <a:buClr>
-                <a:schemeClr val="dk1"/>
-              </a:buClr>
-              <a:buSzPts val="1400"/>
-              <a:buFont typeface="Lato"/>
-              <a:buChar char="●"/>
-              <a:defRPr/>
-            </a:lvl4pPr>
-            <a:lvl5pPr marL="2286000" lvl="4" indent="-317500">
-              <a:spcBef>
-                <a:spcPts val="0"/>
-              </a:spcBef>
-              <a:spcAft>
-                <a:spcPts val="0"/>
-              </a:spcAft>
-              <a:buClr>
-                <a:schemeClr val="dk1"/>
-              </a:buClr>
-              <a:buSzPts val="1400"/>
-              <a:buFont typeface="Lato"/>
-              <a:buChar char="○"/>
-              <a:defRPr/>
-            </a:lvl5pPr>
-            <a:lvl6pPr marL="2743200" lvl="5" indent="-317500">
-              <a:spcBef>
-                <a:spcPts val="0"/>
-              </a:spcBef>
-              <a:spcAft>
-                <a:spcPts val="0"/>
-              </a:spcAft>
-              <a:buClr>
-                <a:schemeClr val="dk1"/>
-              </a:buClr>
-              <a:buSzPts val="1400"/>
-              <a:buFont typeface="Lato"/>
-              <a:buChar char="■"/>
-              <a:defRPr/>
-            </a:lvl6pPr>
-            <a:lvl7pPr marL="3200400" lvl="6" indent="-317500">
-              <a:spcBef>
-                <a:spcPts val="0"/>
-              </a:spcBef>
-              <a:spcAft>
-                <a:spcPts val="0"/>
-              </a:spcAft>
-              <a:buClr>
-                <a:schemeClr val="dk1"/>
-              </a:buClr>
-              <a:buSzPts val="1400"/>
-              <a:buFont typeface="Lato"/>
-              <a:buChar char="●"/>
-              <a:defRPr/>
-            </a:lvl7pPr>
-            <a:lvl8pPr marL="3657600" lvl="7" indent="-317500">
-              <a:spcBef>
-                <a:spcPts val="0"/>
-              </a:spcBef>
-              <a:spcAft>
-                <a:spcPts val="0"/>
-              </a:spcAft>
-              <a:buClr>
-                <a:schemeClr val="dk1"/>
-              </a:buClr>
-              <a:buSzPts val="1400"/>
-              <a:buFont typeface="Lato"/>
-              <a:buChar char="○"/>
-              <a:defRPr/>
-            </a:lvl8pPr>
-            <a:lvl9pPr marL="4114800" lvl="8" indent="-317500">
-              <a:spcBef>
-                <a:spcPts val="0"/>
-              </a:spcBef>
-              <a:spcAft>
-                <a:spcPts val="0"/>
-              </a:spcAft>
-              <a:buClr>
-                <a:schemeClr val="dk1"/>
-              </a:buClr>
-              <a:buSzPts val="1400"/>
-              <a:buFont typeface="Lato"/>
-              <a:buChar char="■"/>
-              <a:defRPr/>
-            </a:lvl9pPr>
-          </a:lstStyle>
-          <a:p>
-            <a:endParaRPr/>
-          </a:p>
-        </p:txBody>
-      </p:sp>
-      <p:cxnSp>
-        <p:nvCxnSpPr>
-          <p:cNvPr id="26" name="Google Shape;26;p4"/>
-          <p:cNvCxnSpPr/>
-          <p:nvPr/>
-        </p:nvCxnSpPr>
-        <p:spPr>
-          <a:xfrm>
-            <a:off x="-72550" y="274100"/>
-            <a:ext cx="9287400" cy="0"/>
-          </a:xfrm>
-          <a:prstGeom prst="straightConnector1">
-            <a:avLst/>
-          </a:prstGeom>
-          <a:noFill/>
-          <a:ln w="28575" cap="flat" cmpd="sng">
-            <a:solidFill>
-              <a:schemeClr val="accent1"/>
-            </a:solidFill>
-            <a:prstDash val="solid"/>
-            <a:round/>
-            <a:headEnd type="none" w="med" len="med"/>
-            <a:tailEnd type="none" w="med" len="med"/>
-          </a:ln>
-        </p:spPr>
-      </p:cxnSp>
-      <p:cxnSp>
-        <p:nvCxnSpPr>
-          <p:cNvPr id="27" name="Google Shape;27;p4"/>
-          <p:cNvCxnSpPr/>
-          <p:nvPr/>
-        </p:nvCxnSpPr>
-        <p:spPr>
-          <a:xfrm>
-            <a:off x="-72550" y="4877450"/>
-            <a:ext cx="9287400" cy="0"/>
-          </a:xfrm>
-          <a:prstGeom prst="straightConnector1">
-            <a:avLst/>
-          </a:prstGeom>
-          <a:noFill/>
-          <a:ln w="28575" cap="flat" cmpd="sng">
-            <a:solidFill>
-              <a:schemeClr val="accent1"/>
-            </a:solidFill>
-            <a:prstDash val="solid"/>
-            <a:round/>
-            <a:headEnd type="none" w="med" len="med"/>
-            <a:tailEnd type="none" w="med" len="med"/>
-          </a:ln>
-        </p:spPr>
-      </p:cxnSp>
-      <p:cxnSp>
-        <p:nvCxnSpPr>
-          <p:cNvPr id="28" name="Google Shape;28;p4"/>
-          <p:cNvCxnSpPr/>
-          <p:nvPr/>
-        </p:nvCxnSpPr>
-        <p:spPr>
-          <a:xfrm>
-            <a:off x="6884900" y="-113600"/>
-            <a:ext cx="2565600" cy="1306200"/>
-          </a:xfrm>
-          <a:prstGeom prst="curvedConnector3">
-            <a:avLst>
-              <a:gd name="adj1" fmla="val 50000"/>
-            </a:avLst>
-          </a:prstGeom>
-          <a:noFill/>
-          <a:ln w="28575" cap="flat" cmpd="sng">
-            <a:solidFill>
-              <a:schemeClr val="accent2"/>
-            </a:solidFill>
-            <a:prstDash val="solid"/>
-            <a:round/>
-            <a:headEnd type="none" w="med" len="med"/>
-            <a:tailEnd type="none" w="med" len="med"/>
-          </a:ln>
-        </p:spPr>
-      </p:cxnSp>
-    </p:spTree>
-  </p:cSld>
-  <p:clrMapOvr>
-    <a:masterClrMapping/>
-  </p:clrMapOvr>
-</p:sldLayout>
-</file>
-
-<file path=ppt/slideLayouts/slideLayout3.xml><?xml version="1.0" encoding="utf-8"?>
 <p:sldLayout xmlns:a="http://schemas.openxmlformats.org/drawingml/2006/main" xmlns:r="http://schemas.openxmlformats.org/officeDocument/2006/relationships" xmlns:p="http://schemas.openxmlformats.org/presentationml/2006/main" matchingName="Section title and description">
   <p:cSld name="SECTION_TITLE_AND_DESCRIPTION">
     <p:spTree>
@@ -3408,7 +2562,7 @@
 </p:sldLayout>
 </file>
 
-<file path=ppt/slideLayouts/slideLayout4.xml><?xml version="1.0" encoding="utf-8"?>
+<file path=ppt/slideLayouts/slideLayout3.xml><?xml version="1.0" encoding="utf-8"?>
 <p:sldLayout xmlns:a="http://schemas.openxmlformats.org/drawingml/2006/main" xmlns:r="http://schemas.openxmlformats.org/officeDocument/2006/relationships" xmlns:p="http://schemas.openxmlformats.org/presentationml/2006/main" matchingName="Blank" type="blank">
   <p:cSld name="BLANK">
     <p:bg>
@@ -3439,7 +2593,7 @@
 </p:sldLayout>
 </file>
 
-<file path=ppt/slideLayouts/slideLayout5.xml><?xml version="1.0" encoding="utf-8"?>
+<file path=ppt/slideLayouts/slideLayout4.xml><?xml version="1.0" encoding="utf-8"?>
 <p:sldLayout xmlns:a="http://schemas.openxmlformats.org/drawingml/2006/main" xmlns:r="http://schemas.openxmlformats.org/officeDocument/2006/relationships" xmlns:p="http://schemas.openxmlformats.org/presentationml/2006/main" matchingName="Table of contents">
   <p:cSld name="CUSTOM">
     <p:spTree>
@@ -5509,7 +4663,7 @@
 </p:sldLayout>
 </file>
 
-<file path=ppt/slideLayouts/slideLayout6.xml><?xml version="1.0" encoding="utf-8"?>
+<file path=ppt/slideLayouts/slideLayout5.xml><?xml version="1.0" encoding="utf-8"?>
 <p:sldLayout xmlns:a="http://schemas.openxmlformats.org/drawingml/2006/main" xmlns:r="http://schemas.openxmlformats.org/officeDocument/2006/relationships" xmlns:p="http://schemas.openxmlformats.org/presentationml/2006/main" matchingName="Table of contents 1">
   <p:cSld name="CUSTOM_11">
     <p:spTree>
@@ -8287,7 +7441,7 @@
 </p:sldLayout>
 </file>
 
-<file path=ppt/slideLayouts/slideLayout7.xml><?xml version="1.0" encoding="utf-8"?>
+<file path=ppt/slideLayouts/slideLayout6.xml><?xml version="1.0" encoding="utf-8"?>
 <p:sldLayout xmlns:a="http://schemas.openxmlformats.org/drawingml/2006/main" xmlns:r="http://schemas.openxmlformats.org/officeDocument/2006/relationships" xmlns:p="http://schemas.openxmlformats.org/presentationml/2006/main" matchingName="Quote">
   <p:cSld name="CUSTOM_2">
     <p:spTree>
@@ -8673,7 +7827,7 @@
 </p:sldLayout>
 </file>
 
-<file path=ppt/slideLayouts/slideLayout8.xml><?xml version="1.0" encoding="utf-8"?>
+<file path=ppt/slideLayouts/slideLayout7.xml><?xml version="1.0" encoding="utf-8"?>
 <p:sldLayout xmlns:a="http://schemas.openxmlformats.org/drawingml/2006/main" xmlns:r="http://schemas.openxmlformats.org/officeDocument/2006/relationships" xmlns:p="http://schemas.openxmlformats.org/presentationml/2006/main" matchingName="Quote 1">
   <p:cSld name="CUSTOM_12">
     <p:spTree>
@@ -9115,12 +8269,12 @@
 </p:sldLayout>
 </file>
 
-<file path=ppt/slideLayouts/slideLayout9.xml><?xml version="1.0" encoding="utf-8"?>
-<p:sldLayout xmlns:a="http://schemas.openxmlformats.org/drawingml/2006/main" xmlns:r="http://schemas.openxmlformats.org/officeDocument/2006/relationships" xmlns:p="http://schemas.openxmlformats.org/presentationml/2006/main" matchingName="Title and text">
-  <p:cSld name="CUSTOM_13">
+<file path=ppt/slideLayouts/slideLayout8.xml><?xml version="1.0" encoding="utf-8"?>
+<p:sldLayout xmlns:a="http://schemas.openxmlformats.org/drawingml/2006/main" xmlns:r="http://schemas.openxmlformats.org/officeDocument/2006/relationships" xmlns:p="http://schemas.openxmlformats.org/presentationml/2006/main" matchingName="Background">
+  <p:cSld name="CUSTOM_10">
     <p:spTree>
       <p:nvGrpSpPr>
-        <p:cNvPr id="1" name="Shape 125"/>
+        <p:cNvPr id="1" name="Shape 449"/>
         <p:cNvGrpSpPr/>
         <p:nvPr/>
       </p:nvGrpSpPr>
@@ -9132,297 +8286,112 @@
           <a:chExt cx="0" cy="0"/>
         </a:xfrm>
       </p:grpSpPr>
-      <p:sp>
-        <p:nvSpPr>
-          <p:cNvPr id="126" name="Google Shape;126;p17"/>
-          <p:cNvSpPr txBox="1">
-            <a:spLocks noGrp="1"/>
-          </p:cNvSpPr>
-          <p:nvPr>
-            <p:ph type="subTitle" idx="1"/>
-          </p:nvPr>
-        </p:nvSpPr>
+      <p:cxnSp>
+        <p:nvCxnSpPr>
+          <p:cNvPr id="450" name="Google Shape;450;p50"/>
+          <p:cNvCxnSpPr/>
+          <p:nvPr/>
+        </p:nvCxnSpPr>
         <p:spPr>
           <a:xfrm>
-            <a:off x="2648400" y="1682000"/>
-            <a:ext cx="3847200" cy="2379900"/>
+            <a:off x="-72550" y="4877450"/>
+            <a:ext cx="9287400" cy="0"/>
           </a:xfrm>
-          <a:prstGeom prst="rect">
+          <a:prstGeom prst="straightConnector1">
             <a:avLst/>
           </a:prstGeom>
+          <a:noFill/>
+          <a:ln w="28575" cap="flat" cmpd="sng">
+            <a:solidFill>
+              <a:schemeClr val="accent1"/>
+            </a:solidFill>
+            <a:prstDash val="solid"/>
+            <a:round/>
+            <a:headEnd type="none" w="med" len="med"/>
+            <a:tailEnd type="none" w="med" len="med"/>
+          </a:ln>
         </p:spPr>
-        <p:txBody>
-          <a:bodyPr spcFirstLastPara="1" wrap="square" lIns="91425" tIns="91425" rIns="91425" bIns="91425" anchor="t" anchorCtr="0">
-            <a:noAutofit/>
-          </a:bodyPr>
-          <a:lstStyle>
-            <a:lvl1pPr lvl="0" rtl="0">
-              <a:lnSpc>
-                <a:spcPct val="100000"/>
-              </a:lnSpc>
-              <a:spcBef>
-                <a:spcPts val="0"/>
-              </a:spcBef>
-              <a:spcAft>
-                <a:spcPts val="0"/>
-              </a:spcAft>
-              <a:buClr>
-                <a:schemeClr val="accent1"/>
-              </a:buClr>
-              <a:buSzPts val="1400"/>
-              <a:buChar char="●"/>
-              <a:defRPr sz="1400"/>
-            </a:lvl1pPr>
-            <a:lvl2pPr lvl="1" algn="ctr" rtl="0">
-              <a:spcBef>
-                <a:spcPts val="0"/>
-              </a:spcBef>
-              <a:spcAft>
-                <a:spcPts val="0"/>
-              </a:spcAft>
-              <a:buClr>
-                <a:schemeClr val="dk1"/>
-              </a:buClr>
-              <a:buSzPts val="1400"/>
-              <a:buChar char="○"/>
-              <a:defRPr/>
-            </a:lvl2pPr>
-            <a:lvl3pPr lvl="2" algn="ctr" rtl="0">
-              <a:spcBef>
-                <a:spcPts val="0"/>
-              </a:spcBef>
-              <a:spcAft>
-                <a:spcPts val="0"/>
-              </a:spcAft>
-              <a:buClr>
-                <a:schemeClr val="dk1"/>
-              </a:buClr>
-              <a:buSzPts val="1400"/>
-              <a:buChar char="■"/>
-              <a:defRPr/>
-            </a:lvl3pPr>
-            <a:lvl4pPr lvl="3" algn="ctr" rtl="0">
-              <a:spcBef>
-                <a:spcPts val="0"/>
-              </a:spcBef>
-              <a:spcAft>
-                <a:spcPts val="0"/>
-              </a:spcAft>
-              <a:buClr>
-                <a:schemeClr val="dk1"/>
-              </a:buClr>
-              <a:buSzPts val="1400"/>
-              <a:buChar char="●"/>
-              <a:defRPr/>
-            </a:lvl4pPr>
-            <a:lvl5pPr lvl="4" algn="ctr" rtl="0">
-              <a:spcBef>
-                <a:spcPts val="0"/>
-              </a:spcBef>
-              <a:spcAft>
-                <a:spcPts val="0"/>
-              </a:spcAft>
-              <a:buClr>
-                <a:schemeClr val="dk1"/>
-              </a:buClr>
-              <a:buSzPts val="1400"/>
-              <a:buChar char="○"/>
-              <a:defRPr/>
-            </a:lvl5pPr>
-            <a:lvl6pPr lvl="5" algn="ctr" rtl="0">
-              <a:spcBef>
-                <a:spcPts val="0"/>
-              </a:spcBef>
-              <a:spcAft>
-                <a:spcPts val="0"/>
-              </a:spcAft>
-              <a:buClr>
-                <a:schemeClr val="dk1"/>
-              </a:buClr>
-              <a:buSzPts val="1400"/>
-              <a:buChar char="■"/>
-              <a:defRPr/>
-            </a:lvl6pPr>
-            <a:lvl7pPr lvl="6" algn="ctr" rtl="0">
-              <a:spcBef>
-                <a:spcPts val="0"/>
-              </a:spcBef>
-              <a:spcAft>
-                <a:spcPts val="0"/>
-              </a:spcAft>
-              <a:buClr>
-                <a:schemeClr val="dk1"/>
-              </a:buClr>
-              <a:buSzPts val="1400"/>
-              <a:buChar char="●"/>
-              <a:defRPr/>
-            </a:lvl7pPr>
-            <a:lvl8pPr lvl="7" algn="ctr" rtl="0">
-              <a:spcBef>
-                <a:spcPts val="0"/>
-              </a:spcBef>
-              <a:spcAft>
-                <a:spcPts val="0"/>
-              </a:spcAft>
-              <a:buClr>
-                <a:schemeClr val="dk1"/>
-              </a:buClr>
-              <a:buSzPts val="1400"/>
-              <a:buChar char="○"/>
-              <a:defRPr/>
-            </a:lvl8pPr>
-            <a:lvl9pPr lvl="8" algn="ctr" rtl="0">
-              <a:spcBef>
-                <a:spcPts val="0"/>
-              </a:spcBef>
-              <a:spcAft>
-                <a:spcPts val="0"/>
-              </a:spcAft>
-              <a:buClr>
-                <a:schemeClr val="dk1"/>
-              </a:buClr>
-              <a:buSzPts val="1400"/>
-              <a:buChar char="■"/>
-              <a:defRPr/>
-            </a:lvl9pPr>
-          </a:lstStyle>
-          <a:p>
-            <a:endParaRPr/>
-          </a:p>
-        </p:txBody>
-      </p:sp>
-      <p:sp>
-        <p:nvSpPr>
-          <p:cNvPr id="127" name="Google Shape;127;p17"/>
-          <p:cNvSpPr txBox="1">
-            <a:spLocks noGrp="1"/>
-          </p:cNvSpPr>
-          <p:nvPr>
-            <p:ph type="title"/>
-          </p:nvPr>
-        </p:nvSpPr>
+      </p:cxnSp>
+      <p:cxnSp>
+        <p:nvCxnSpPr>
+          <p:cNvPr id="451" name="Google Shape;451;p50"/>
+          <p:cNvCxnSpPr/>
+          <p:nvPr/>
+        </p:nvCxnSpPr>
         <p:spPr>
           <a:xfrm>
-            <a:off x="1732050" y="445025"/>
-            <a:ext cx="5679900" cy="572700"/>
+            <a:off x="-72550" y="274100"/>
+            <a:ext cx="9287400" cy="0"/>
           </a:xfrm>
-          <a:prstGeom prst="rect">
+          <a:prstGeom prst="straightConnector1">
             <a:avLst/>
           </a:prstGeom>
+          <a:noFill/>
+          <a:ln w="28575" cap="flat" cmpd="sng">
+            <a:solidFill>
+              <a:schemeClr val="accent1"/>
+            </a:solidFill>
+            <a:prstDash val="solid"/>
+            <a:round/>
+            <a:headEnd type="none" w="med" len="med"/>
+            <a:tailEnd type="none" w="med" len="med"/>
+          </a:ln>
         </p:spPr>
-        <p:txBody>
-          <a:bodyPr spcFirstLastPara="1" wrap="square" lIns="91425" tIns="91425" rIns="91425" bIns="91425" anchor="t" anchorCtr="0">
-            <a:noAutofit/>
-          </a:bodyPr>
-          <a:lstStyle>
-            <a:lvl1pPr lvl="0" algn="ctr" rtl="0">
-              <a:spcBef>
-                <a:spcPts val="0"/>
-              </a:spcBef>
-              <a:spcAft>
-                <a:spcPts val="0"/>
-              </a:spcAft>
-              <a:buSzPts val="3000"/>
-              <a:buNone/>
-              <a:defRPr/>
-            </a:lvl1pPr>
-            <a:lvl2pPr lvl="1" algn="ctr" rtl="0">
-              <a:spcBef>
-                <a:spcPts val="0"/>
-              </a:spcBef>
-              <a:spcAft>
-                <a:spcPts val="0"/>
-              </a:spcAft>
-              <a:buSzPts val="3000"/>
-              <a:buNone/>
-              <a:defRPr/>
-            </a:lvl2pPr>
-            <a:lvl3pPr lvl="2" algn="ctr" rtl="0">
-              <a:spcBef>
-                <a:spcPts val="0"/>
-              </a:spcBef>
-              <a:spcAft>
-                <a:spcPts val="0"/>
-              </a:spcAft>
-              <a:buSzPts val="3000"/>
-              <a:buNone/>
-              <a:defRPr/>
-            </a:lvl3pPr>
-            <a:lvl4pPr lvl="3" algn="ctr" rtl="0">
-              <a:spcBef>
-                <a:spcPts val="0"/>
-              </a:spcBef>
-              <a:spcAft>
-                <a:spcPts val="0"/>
-              </a:spcAft>
-              <a:buSzPts val="3000"/>
-              <a:buNone/>
-              <a:defRPr/>
-            </a:lvl4pPr>
-            <a:lvl5pPr lvl="4" algn="ctr" rtl="0">
-              <a:spcBef>
-                <a:spcPts val="0"/>
-              </a:spcBef>
-              <a:spcAft>
-                <a:spcPts val="0"/>
-              </a:spcAft>
-              <a:buSzPts val="3000"/>
-              <a:buNone/>
-              <a:defRPr/>
-            </a:lvl5pPr>
-            <a:lvl6pPr lvl="5" algn="ctr" rtl="0">
-              <a:spcBef>
-                <a:spcPts val="0"/>
-              </a:spcBef>
-              <a:spcAft>
-                <a:spcPts val="0"/>
-              </a:spcAft>
-              <a:buSzPts val="3000"/>
-              <a:buNone/>
-              <a:defRPr/>
-            </a:lvl6pPr>
-            <a:lvl7pPr lvl="6" algn="ctr" rtl="0">
-              <a:spcBef>
-                <a:spcPts val="0"/>
-              </a:spcBef>
-              <a:spcAft>
-                <a:spcPts val="0"/>
-              </a:spcAft>
-              <a:buSzPts val="3000"/>
-              <a:buNone/>
-              <a:defRPr/>
-            </a:lvl7pPr>
-            <a:lvl8pPr lvl="7" algn="ctr" rtl="0">
-              <a:spcBef>
-                <a:spcPts val="0"/>
-              </a:spcBef>
-              <a:spcAft>
-                <a:spcPts val="0"/>
-              </a:spcAft>
-              <a:buSzPts val="3000"/>
-              <a:buNone/>
-              <a:defRPr/>
-            </a:lvl8pPr>
-            <a:lvl9pPr lvl="8" algn="ctr" rtl="0">
-              <a:spcBef>
-                <a:spcPts val="0"/>
-              </a:spcBef>
-              <a:spcAft>
-                <a:spcPts val="0"/>
-              </a:spcAft>
-              <a:buSzPts val="3000"/>
-              <a:buNone/>
-              <a:defRPr/>
-            </a:lvl9pPr>
-          </a:lstStyle>
-          <a:p>
-            <a:endParaRPr/>
-          </a:p>
-        </p:txBody>
-      </p:sp>
+      </p:cxnSp>
+    </p:spTree>
+  </p:cSld>
+  <p:clrMapOvr>
+    <a:masterClrMapping/>
+  </p:clrMapOvr>
+</p:sldLayout>
+</file>
+
+<file path=ppt/slideLayouts/slideLayout9.xml><?xml version="1.0" encoding="utf-8"?>
+<p:sldLayout xmlns:a="http://schemas.openxmlformats.org/drawingml/2006/main" xmlns:r="http://schemas.openxmlformats.org/officeDocument/2006/relationships" xmlns:p="http://schemas.openxmlformats.org/presentationml/2006/main" matchingName="Background 1">
+  <p:cSld name="CUSTOM_10_1">
+    <p:spTree>
+      <p:nvGrpSpPr>
+        <p:cNvPr id="1" name="Shape 452"/>
+        <p:cNvGrpSpPr/>
+        <p:nvPr/>
+      </p:nvGrpSpPr>
+      <p:grpSpPr>
+        <a:xfrm>
+          <a:off x="0" y="0"/>
+          <a:ext cx="0" cy="0"/>
+          <a:chOff x="0" y="0"/>
+          <a:chExt cx="0" cy="0"/>
+        </a:xfrm>
+      </p:grpSpPr>
       <p:cxnSp>
         <p:nvCxnSpPr>
-          <p:cNvPr id="128" name="Google Shape;128;p17"/>
+          <p:cNvPr id="453" name="Google Shape;453;p51"/>
+          <p:cNvCxnSpPr/>
+          <p:nvPr/>
+        </p:nvCxnSpPr>
+        <p:spPr>
+          <a:xfrm>
+            <a:off x="-72550" y="4877450"/>
+            <a:ext cx="9287400" cy="0"/>
+          </a:xfrm>
+          <a:prstGeom prst="straightConnector1">
+            <a:avLst/>
+          </a:prstGeom>
+          <a:noFill/>
+          <a:ln w="28575" cap="flat" cmpd="sng">
+            <a:solidFill>
+              <a:schemeClr val="accent1"/>
+            </a:solidFill>
+            <a:prstDash val="solid"/>
+            <a:round/>
+            <a:headEnd type="none" w="med" len="med"/>
+            <a:tailEnd type="none" w="med" len="med"/>
+          </a:ln>
+        </p:spPr>
+      </p:cxnSp>
+      <p:cxnSp>
+        <p:nvCxnSpPr>
+          <p:cNvPr id="454" name="Google Shape;454;p51"/>
           <p:cNvCxnSpPr/>
           <p:nvPr/>
         </p:nvCxnSpPr>
@@ -9448,40 +8417,14 @@
       </p:cxnSp>
       <p:cxnSp>
         <p:nvCxnSpPr>
-          <p:cNvPr id="129" name="Google Shape;129;p17"/>
+          <p:cNvPr id="455" name="Google Shape;455;p51"/>
           <p:cNvCxnSpPr/>
           <p:nvPr/>
         </p:nvCxnSpPr>
         <p:spPr>
           <a:xfrm>
-            <a:off x="-72550" y="4877450"/>
-            <a:ext cx="9287400" cy="0"/>
-          </a:xfrm>
-          <a:prstGeom prst="straightConnector1">
-            <a:avLst/>
-          </a:prstGeom>
-          <a:noFill/>
-          <a:ln w="28575" cap="flat" cmpd="sng">
-            <a:solidFill>
-              <a:schemeClr val="accent1"/>
-            </a:solidFill>
-            <a:prstDash val="solid"/>
-            <a:round/>
-            <a:headEnd type="none" w="med" len="med"/>
-            <a:tailEnd type="none" w="med" len="med"/>
-          </a:ln>
-        </p:spPr>
-      </p:cxnSp>
-      <p:cxnSp>
-        <p:nvCxnSpPr>
-          <p:cNvPr id="130" name="Google Shape;130;p17"/>
-          <p:cNvCxnSpPr/>
-          <p:nvPr/>
-        </p:nvCxnSpPr>
-        <p:spPr>
-          <a:xfrm>
-            <a:off x="-250225" y="4076450"/>
-            <a:ext cx="1926900" cy="1161000"/>
+            <a:off x="7434175" y="-125600"/>
+            <a:ext cx="1993200" cy="1330200"/>
           </a:xfrm>
           <a:prstGeom prst="curvedConnector3">
             <a:avLst>
@@ -9502,14 +8445,14 @@
       </p:cxnSp>
       <p:cxnSp>
         <p:nvCxnSpPr>
-          <p:cNvPr id="131" name="Google Shape;131;p17"/>
+          <p:cNvPr id="456" name="Google Shape;456;p51"/>
           <p:cNvCxnSpPr/>
           <p:nvPr/>
         </p:nvCxnSpPr>
         <p:spPr>
           <a:xfrm>
-            <a:off x="7441150" y="-48375"/>
-            <a:ext cx="1926900" cy="1161000"/>
+            <a:off x="-147275" y="3943475"/>
+            <a:ext cx="1993200" cy="1330200"/>
           </a:xfrm>
           <a:prstGeom prst="curvedConnector3">
             <a:avLst>
@@ -10034,19 +8977,17 @@
   </p:cSld>
   <p:clrMap bg1="lt1" tx1="dk1" bg2="dk2" tx2="lt2" accent1="accent1" accent2="accent2" accent3="accent3" accent4="accent4" accent5="accent5" accent6="accent6" hlink="hlink" folHlink="folHlink"/>
   <p:sldLayoutIdLst>
-    <p:sldLayoutId id="2147483648" r:id="rId1"/>
-    <p:sldLayoutId id="2147483650" r:id="rId2"/>
-    <p:sldLayoutId id="2147483655" r:id="rId3"/>
-    <p:sldLayoutId id="2147483658" r:id="rId4"/>
-    <p:sldLayoutId id="2147483659" r:id="rId5"/>
-    <p:sldLayoutId id="2147483660" r:id="rId6"/>
-    <p:sldLayoutId id="2147483661" r:id="rId7"/>
-    <p:sldLayoutId id="2147483662" r:id="rId8"/>
-    <p:sldLayoutId id="2147483663" r:id="rId9"/>
-    <p:sldLayoutId id="2147483696" r:id="rId10"/>
-    <p:sldLayoutId id="2147483697" r:id="rId11"/>
-    <p:sldLayoutId id="2147483698" r:id="rId12"/>
-    <p:sldLayoutId id="2147483699" r:id="rId13"/>
+    <p:sldLayoutId id="2147483650" r:id="rId1"/>
+    <p:sldLayoutId id="2147483655" r:id="rId2"/>
+    <p:sldLayoutId id="2147483658" r:id="rId3"/>
+    <p:sldLayoutId id="2147483659" r:id="rId4"/>
+    <p:sldLayoutId id="2147483660" r:id="rId5"/>
+    <p:sldLayoutId id="2147483661" r:id="rId6"/>
+    <p:sldLayoutId id="2147483662" r:id="rId7"/>
+    <p:sldLayoutId id="2147483696" r:id="rId8"/>
+    <p:sldLayoutId id="2147483697" r:id="rId9"/>
+    <p:sldLayoutId id="2147483698" r:id="rId10"/>
+    <p:sldLayoutId id="2147483699" r:id="rId11"/>
   </p:sldLayoutIdLst>
   <p:hf sldNum="0" hdr="0" ftr="0" dt="0"/>
   <p:txStyles>
@@ -10746,306 +9687,6 @@
   <p:cSld>
     <p:spTree>
       <p:nvGrpSpPr>
-        <p:cNvPr id="1" name="Shape 481"/>
-        <p:cNvGrpSpPr/>
-        <p:nvPr/>
-      </p:nvGrpSpPr>
-      <p:grpSpPr>
-        <a:xfrm>
-          <a:off x="0" y="0"/>
-          <a:ext cx="0" cy="0"/>
-          <a:chOff x="0" y="0"/>
-          <a:chExt cx="0" cy="0"/>
-        </a:xfrm>
-      </p:grpSpPr>
-      <p:sp>
-        <p:nvSpPr>
-          <p:cNvPr id="482" name="Google Shape;482;p59"/>
-          <p:cNvSpPr txBox="1">
-            <a:spLocks noGrp="1"/>
-          </p:cNvSpPr>
-          <p:nvPr>
-            <p:ph type="ctrTitle"/>
-          </p:nvPr>
-        </p:nvSpPr>
-        <p:spPr>
-          <a:xfrm>
-            <a:off x="1039975" y="1324500"/>
-            <a:ext cx="7064100" cy="2052600"/>
-          </a:xfrm>
-          <a:prstGeom prst="rect">
-            <a:avLst/>
-          </a:prstGeom>
-        </p:spPr>
-        <p:txBody>
-          <a:bodyPr spcFirstLastPara="1" wrap="square" lIns="91425" tIns="91425" rIns="91425" bIns="91425" anchor="b" anchorCtr="0">
-            <a:noAutofit/>
-          </a:bodyPr>
-          <a:lstStyle/>
-          <a:p>
-            <a:pPr marL="0" lvl="0" indent="0" algn="ctr" rtl="0">
-              <a:spcBef>
-                <a:spcPts val="0"/>
-              </a:spcBef>
-              <a:spcAft>
-                <a:spcPts val="0"/>
-              </a:spcAft>
-              <a:buNone/>
-            </a:pPr>
-            <a:r>
-              <a:rPr lang="hu-HU" dirty="0" err="1" smtClean="0">
-                <a:effectLst>
-                  <a:outerShdw blurRad="38100" dist="38100" dir="2700000" algn="tl">
-                    <a:srgbClr val="000000">
-                      <a:alpha val="43137"/>
-                    </a:srgbClr>
-                  </a:outerShdw>
-                </a:effectLst>
-                <a:latin typeface="Impact" panose="020B0806030902050204" pitchFamily="34" charset="0"/>
-                <a:cs typeface="Times New Roman" panose="02020603050405020304" pitchFamily="18" charset="0"/>
-              </a:rPr>
-              <a:t>Housework</a:t>
-            </a:r>
-            <a:endParaRPr dirty="0">
-              <a:effectLst>
-                <a:outerShdw blurRad="38100" dist="38100" dir="2700000" algn="tl">
-                  <a:srgbClr val="000000">
-                    <a:alpha val="43137"/>
-                  </a:srgbClr>
-                </a:outerShdw>
-              </a:effectLst>
-              <a:latin typeface="Impact" panose="020B0806030902050204" pitchFamily="34" charset="0"/>
-              <a:cs typeface="Times New Roman" panose="02020603050405020304" pitchFamily="18" charset="0"/>
-            </a:endParaRPr>
-          </a:p>
-        </p:txBody>
-      </p:sp>
-      <p:sp>
-        <p:nvSpPr>
-          <p:cNvPr id="483" name="Google Shape;483;p59"/>
-          <p:cNvSpPr txBox="1">
-            <a:spLocks noGrp="1"/>
-          </p:cNvSpPr>
-          <p:nvPr>
-            <p:ph type="subTitle" idx="1"/>
-          </p:nvPr>
-        </p:nvSpPr>
-        <p:spPr>
-          <a:xfrm>
-            <a:off x="1040000" y="3377100"/>
-            <a:ext cx="7064100" cy="441900"/>
-          </a:xfrm>
-          <a:prstGeom prst="rect">
-            <a:avLst/>
-          </a:prstGeom>
-        </p:spPr>
-        <p:txBody>
-          <a:bodyPr spcFirstLastPara="1" wrap="square" lIns="91425" tIns="91425" rIns="91425" bIns="91425" anchor="t" anchorCtr="0">
-            <a:noAutofit/>
-          </a:bodyPr>
-          <a:lstStyle/>
-          <a:p>
-            <a:pPr marL="0" lvl="0" indent="0" algn="ctr" rtl="0">
-              <a:spcBef>
-                <a:spcPts val="0"/>
-              </a:spcBef>
-              <a:spcAft>
-                <a:spcPts val="0"/>
-              </a:spcAft>
-              <a:buClr>
-                <a:schemeClr val="dk1"/>
-              </a:buClr>
-              <a:buSzPts val="1100"/>
-              <a:buFont typeface="Arial"/>
-              <a:buNone/>
-            </a:pPr>
-            <a:r>
-              <a:rPr lang="hu-HU" dirty="0" smtClean="0">
-                <a:latin typeface="Impact" panose="020B0806030902050204" pitchFamily="34" charset="0"/>
-                <a:cs typeface="Times New Roman" panose="02020603050405020304" pitchFamily="18" charset="0"/>
-              </a:rPr>
-              <a:t>Bárkányi Bence, Bencsik Attila</a:t>
-            </a:r>
-            <a:endParaRPr dirty="0">
-              <a:latin typeface="Impact" panose="020B0806030902050204" pitchFamily="34" charset="0"/>
-              <a:cs typeface="Times New Roman" panose="02020603050405020304" pitchFamily="18" charset="0"/>
-            </a:endParaRPr>
-          </a:p>
-        </p:txBody>
-      </p:sp>
-    </p:spTree>
-  </p:cSld>
-  <p:clrMapOvr>
-    <a:masterClrMapping/>
-  </p:clrMapOvr>
-  <mc:AlternateContent xmlns:mc="http://schemas.openxmlformats.org/markup-compatibility/2006">
-    <mc:Choice xmlns:p15="http://schemas.microsoft.com/office/powerpoint/2012/main" Requires="p15">
-      <p:transition xmlns:p14="http://schemas.microsoft.com/office/powerpoint/2010/main" spd="slow" p14:dur="1250">
-        <p15:prstTrans prst="pageCurlDouble"/>
-      </p:transition>
-    </mc:Choice>
-    <mc:Fallback>
-      <p:transition spd="slow">
-        <p:fade/>
-      </p:transition>
-    </mc:Fallback>
-  </mc:AlternateContent>
-  <p:timing>
-    <p:tnLst>
-      <p:par>
-        <p:cTn id="1" dur="indefinite" restart="never" nodeType="tmRoot">
-          <p:childTnLst>
-            <p:seq concurrent="1" nextAc="seek">
-              <p:cTn id="2" dur="indefinite" nodeType="mainSeq">
-                <p:childTnLst>
-                  <p:par>
-                    <p:cTn id="3" fill="hold">
-                      <p:stCondLst>
-                        <p:cond delay="indefinite"/>
-                      </p:stCondLst>
-                      <p:childTnLst>
-                        <p:par>
-                          <p:cTn id="4" fill="hold">
-                            <p:stCondLst>
-                              <p:cond delay="0"/>
-                            </p:stCondLst>
-                            <p:childTnLst>
-                              <p:par>
-                                <p:cTn id="5" presetID="2" presetClass="entr" presetSubtype="8" fill="hold" nodeType="clickEffect">
-                                  <p:stCondLst>
-                                    <p:cond delay="0"/>
-                                  </p:stCondLst>
-                                  <p:childTnLst>
-                                    <p:set>
-                                      <p:cBhvr>
-                                        <p:cTn id="6" dur="1" fill="hold">
-                                          <p:stCondLst>
-                                            <p:cond delay="0"/>
-                                          </p:stCondLst>
-                                        </p:cTn>
-                                        <p:tgtEl>
-                                          <p:spTgt spid="482"/>
-                                        </p:tgtEl>
-                                        <p:attrNameLst>
-                                          <p:attrName>style.visibility</p:attrName>
-                                        </p:attrNameLst>
-                                      </p:cBhvr>
-                                      <p:to>
-                                        <p:strVal val="visible"/>
-                                      </p:to>
-                                    </p:set>
-                                    <p:anim calcmode="lin" valueType="num">
-                                      <p:cBhvr additive="base">
-                                        <p:cTn id="7" dur="1000"/>
-                                        <p:tgtEl>
-                                          <p:spTgt spid="482"/>
-                                        </p:tgtEl>
-                                        <p:attrNameLst>
-                                          <p:attrName>ppt_x</p:attrName>
-                                        </p:attrNameLst>
-                                      </p:cBhvr>
-                                      <p:tavLst>
-                                        <p:tav tm="0">
-                                          <p:val>
-                                            <p:strVal val="#ppt_x-1"/>
-                                          </p:val>
-                                        </p:tav>
-                                        <p:tav tm="100000">
-                                          <p:val>
-                                            <p:strVal val="#ppt_x"/>
-                                          </p:val>
-                                        </p:tav>
-                                      </p:tavLst>
-                                    </p:anim>
-                                  </p:childTnLst>
-                                </p:cTn>
-                              </p:par>
-                              <p:par>
-                                <p:cTn id="8" presetID="2" presetClass="entr" presetSubtype="4" fill="hold" nodeType="withEffect">
-                                  <p:stCondLst>
-                                    <p:cond delay="0"/>
-                                  </p:stCondLst>
-                                  <p:childTnLst>
-                                    <p:set>
-                                      <p:cBhvr>
-                                        <p:cTn id="9" dur="1" fill="hold">
-                                          <p:stCondLst>
-                                            <p:cond delay="0"/>
-                                          </p:stCondLst>
-                                        </p:cTn>
-                                        <p:tgtEl>
-                                          <p:spTgt spid="483"/>
-                                        </p:tgtEl>
-                                        <p:attrNameLst>
-                                          <p:attrName>style.visibility</p:attrName>
-                                        </p:attrNameLst>
-                                      </p:cBhvr>
-                                      <p:to>
-                                        <p:strVal val="visible"/>
-                                      </p:to>
-                                    </p:set>
-                                    <p:anim calcmode="lin" valueType="num">
-                                      <p:cBhvr additive="base">
-                                        <p:cTn id="10" dur="1000"/>
-                                        <p:tgtEl>
-                                          <p:spTgt spid="483"/>
-                                        </p:tgtEl>
-                                        <p:attrNameLst>
-                                          <p:attrName>ppt_y</p:attrName>
-                                        </p:attrNameLst>
-                                      </p:cBhvr>
-                                      <p:tavLst>
-                                        <p:tav tm="0">
-                                          <p:val>
-                                            <p:strVal val="#ppt_y+1"/>
-                                          </p:val>
-                                        </p:tav>
-                                        <p:tav tm="100000">
-                                          <p:val>
-                                            <p:strVal val="#ppt_y"/>
-                                          </p:val>
-                                        </p:tav>
-                                      </p:tavLst>
-                                    </p:anim>
-                                  </p:childTnLst>
-                                </p:cTn>
-                              </p:par>
-                            </p:childTnLst>
-                          </p:cTn>
-                        </p:par>
-                      </p:childTnLst>
-                    </p:cTn>
-                  </p:par>
-                </p:childTnLst>
-              </p:cTn>
-              <p:prevCondLst>
-                <p:cond evt="onPrev" delay="0">
-                  <p:tgtEl>
-                    <p:sldTgt/>
-                  </p:tgtEl>
-                </p:cond>
-              </p:prevCondLst>
-              <p:nextCondLst>
-                <p:cond evt="onNext" delay="0">
-                  <p:tgtEl>
-                    <p:sldTgt/>
-                  </p:tgtEl>
-                </p:cond>
-              </p:nextCondLst>
-            </p:seq>
-          </p:childTnLst>
-        </p:cTn>
-      </p:par>
-    </p:tnLst>
-  </p:timing>
-</p:sld>
-</file>
-
-<file path=ppt/slides/slide2.xml><?xml version="1.0" encoding="utf-8"?>
-<p:sld xmlns:a="http://schemas.openxmlformats.org/drawingml/2006/main" xmlns:r="http://schemas.openxmlformats.org/officeDocument/2006/relationships" xmlns:p="http://schemas.openxmlformats.org/presentationml/2006/main">
-  <p:cSld>
-    <p:spTree>
-      <p:nvGrpSpPr>
         <p:cNvPr id="1" name="Shape 487"/>
         <p:cNvGrpSpPr/>
         <p:nvPr/>
@@ -11093,7 +9734,7 @@
               <a:buNone/>
             </a:pPr>
             <a:r>
-              <a:rPr lang="hu-HU" b="1" dirty="0" err="1" smtClean="0">
+              <a:rPr lang="hu-HU" b="1" dirty="0" err="1">
                 <a:effectLst>
                   <a:outerShdw blurRad="38100" dist="38100" dir="2700000" algn="tl">
                     <a:srgbClr val="000000">
@@ -11107,7 +9748,7 @@
               <a:t>Sharing</a:t>
             </a:r>
             <a:r>
-              <a:rPr lang="hu-HU" b="1" dirty="0" smtClean="0">
+              <a:rPr lang="hu-HU" b="1" dirty="0">
                 <a:effectLst>
                   <a:outerShdw blurRad="38100" dist="38100" dir="2700000" algn="tl">
                     <a:srgbClr val="000000">
@@ -11121,7 +9762,7 @@
               <a:t> </a:t>
             </a:r>
             <a:r>
-              <a:rPr lang="hu-HU" b="1" dirty="0" err="1" smtClean="0">
+              <a:rPr lang="hu-HU" b="1" dirty="0" err="1">
                 <a:effectLst>
                   <a:outerShdw blurRad="38100" dist="38100" dir="2700000" algn="tl">
                     <a:srgbClr val="000000">
@@ -11182,16 +9823,9 @@
                 <a:latin typeface="Impact" panose="020B0806030902050204" pitchFamily="34" charset="0"/>
                 <a:cs typeface="Times New Roman" panose="02020603050405020304" pitchFamily="18" charset="0"/>
               </a:rPr>
-              <a:t>Distribution of Tasks</a:t>
+              <a:t>Distribution of Tasks:</a:t>
             </a:r>
-            <a:r>
-              <a:rPr lang="en-US" sz="1400" dirty="0" smtClean="0">
-                <a:latin typeface="Impact" panose="020B0806030902050204" pitchFamily="34" charset="0"/>
-                <a:cs typeface="Times New Roman" panose="02020603050405020304" pitchFamily="18" charset="0"/>
-              </a:rPr>
-              <a:t>:</a:t>
-            </a:r>
-            <a:endParaRPr lang="hu-HU" sz="1400" dirty="0" smtClean="0">
+            <a:endParaRPr lang="hu-HU" sz="1400" dirty="0">
               <a:latin typeface="Impact" panose="020B0806030902050204" pitchFamily="34" charset="0"/>
               <a:cs typeface="Times New Roman" panose="02020603050405020304" pitchFamily="18" charset="0"/>
             </a:endParaRPr>
@@ -11201,27 +9835,13 @@
               <a:buSzPts val="1100"/>
             </a:pPr>
             <a:r>
-              <a:rPr lang="en-US" sz="1400" dirty="0" smtClean="0">
-                <a:latin typeface="Impact" panose="020B0806030902050204" pitchFamily="34" charset="0"/>
-                <a:cs typeface="Times New Roman" panose="02020603050405020304" pitchFamily="18" charset="0"/>
-              </a:rPr>
-              <a:t>Practice </a:t>
-            </a:r>
-            <a:r>
               <a:rPr lang="en-US" sz="1400" dirty="0">
                 <a:latin typeface="Impact" panose="020B0806030902050204" pitchFamily="34" charset="0"/>
                 <a:cs typeface="Times New Roman" panose="02020603050405020304" pitchFamily="18" charset="0"/>
               </a:rPr>
-              <a:t>of assigning tasks among individuals</a:t>
+              <a:t>Practice of assigning tasks among individuals.</a:t>
             </a:r>
-            <a:r>
-              <a:rPr lang="en-US" sz="1400" dirty="0" smtClean="0">
-                <a:latin typeface="Impact" panose="020B0806030902050204" pitchFamily="34" charset="0"/>
-                <a:cs typeface="Times New Roman" panose="02020603050405020304" pitchFamily="18" charset="0"/>
-              </a:rPr>
-              <a:t>.</a:t>
-            </a:r>
-            <a:endParaRPr lang="hu-HU" sz="1400" dirty="0" smtClean="0">
+            <a:endParaRPr lang="hu-HU" sz="1400" dirty="0">
               <a:latin typeface="Impact" panose="020B0806030902050204" pitchFamily="34" charset="0"/>
               <a:cs typeface="Times New Roman" panose="02020603050405020304" pitchFamily="18" charset="0"/>
             </a:endParaRPr>
@@ -11231,18 +9851,11 @@
               <a:buSzPts val="1100"/>
             </a:pPr>
             <a:r>
-              <a:rPr lang="en-US" sz="1400" dirty="0" smtClean="0">
-                <a:latin typeface="Impact" panose="020B0806030902050204" pitchFamily="34" charset="0"/>
-                <a:cs typeface="Times New Roman" panose="02020603050405020304" pitchFamily="18" charset="0"/>
-              </a:rPr>
-              <a:t>Typically </a:t>
-            </a:r>
-            <a:r>
               <a:rPr lang="en-US" sz="1400" dirty="0">
                 <a:latin typeface="Impact" panose="020B0806030902050204" pitchFamily="34" charset="0"/>
                 <a:cs typeface="Times New Roman" panose="02020603050405020304" pitchFamily="18" charset="0"/>
               </a:rPr>
-              <a:t>within a group or team.</a:t>
+              <a:t>Typically within a group or team.</a:t>
             </a:r>
             <a:endParaRPr sz="1400" dirty="0">
               <a:latin typeface="Impact" panose="020B0806030902050204" pitchFamily="34" charset="0"/>
@@ -11685,16 +10298,9 @@
                 <a:latin typeface="Impact" panose="020B0806030902050204" pitchFamily="34" charset="0"/>
                 <a:cs typeface="Times New Roman" panose="02020603050405020304" pitchFamily="18" charset="0"/>
               </a:rPr>
-              <a:t>Teamwork Promotion</a:t>
+              <a:t>Teamwork Promotion:</a:t>
             </a:r>
-            <a:r>
-              <a:rPr lang="en-US" sz="1400" dirty="0" smtClean="0">
-                <a:latin typeface="Impact" panose="020B0806030902050204" pitchFamily="34" charset="0"/>
-                <a:cs typeface="Times New Roman" panose="02020603050405020304" pitchFamily="18" charset="0"/>
-              </a:rPr>
-              <a:t>:</a:t>
-            </a:r>
-            <a:endParaRPr lang="hu-HU" sz="1400" dirty="0" smtClean="0">
+            <a:endParaRPr lang="hu-HU" sz="1400" dirty="0">
               <a:latin typeface="Impact" panose="020B0806030902050204" pitchFamily="34" charset="0"/>
               <a:cs typeface="Times New Roman" panose="02020603050405020304" pitchFamily="18" charset="0"/>
             </a:endParaRPr>
@@ -11704,27 +10310,13 @@
               <a:buSzPts val="1100"/>
             </a:pPr>
             <a:r>
-              <a:rPr lang="en-US" sz="1400" dirty="0" smtClean="0">
-                <a:latin typeface="Impact" panose="020B0806030902050204" pitchFamily="34" charset="0"/>
-                <a:cs typeface="Times New Roman" panose="02020603050405020304" pitchFamily="18" charset="0"/>
-              </a:rPr>
-              <a:t>Encourages </a:t>
-            </a:r>
-            <a:r>
               <a:rPr lang="en-US" sz="1400" dirty="0">
                 <a:latin typeface="Impact" panose="020B0806030902050204" pitchFamily="34" charset="0"/>
                 <a:cs typeface="Times New Roman" panose="02020603050405020304" pitchFamily="18" charset="0"/>
               </a:rPr>
-              <a:t>collaboration</a:t>
+              <a:t>Encourages collaboration.</a:t>
             </a:r>
-            <a:r>
-              <a:rPr lang="en-US" sz="1400" dirty="0" smtClean="0">
-                <a:latin typeface="Impact" panose="020B0806030902050204" pitchFamily="34" charset="0"/>
-                <a:cs typeface="Times New Roman" panose="02020603050405020304" pitchFamily="18" charset="0"/>
-              </a:rPr>
-              <a:t>.</a:t>
-            </a:r>
-            <a:endParaRPr lang="hu-HU" sz="1400" dirty="0" smtClean="0">
+            <a:endParaRPr lang="hu-HU" sz="1400" dirty="0">
               <a:latin typeface="Impact" panose="020B0806030902050204" pitchFamily="34" charset="0"/>
               <a:cs typeface="Times New Roman" panose="02020603050405020304" pitchFamily="18" charset="0"/>
             </a:endParaRPr>
@@ -11734,18 +10326,11 @@
               <a:buSzPts val="1100"/>
             </a:pPr>
             <a:r>
-              <a:rPr lang="en-US" sz="1400" dirty="0" smtClean="0">
-                <a:latin typeface="Impact" panose="020B0806030902050204" pitchFamily="34" charset="0"/>
-                <a:cs typeface="Times New Roman" panose="02020603050405020304" pitchFamily="18" charset="0"/>
-              </a:rPr>
-              <a:t>Fosters </a:t>
-            </a:r>
-            <a:r>
               <a:rPr lang="en-US" sz="1400" dirty="0">
                 <a:latin typeface="Impact" panose="020B0806030902050204" pitchFamily="34" charset="0"/>
                 <a:cs typeface="Times New Roman" panose="02020603050405020304" pitchFamily="18" charset="0"/>
               </a:rPr>
-              <a:t>a sense of collective responsibility.</a:t>
+              <a:t>Fosters a sense of collective responsibility.</a:t>
             </a:r>
           </a:p>
         </p:txBody>
@@ -11755,13 +10340,13 @@
   <p:clrMapOvr>
     <a:masterClrMapping/>
   </p:clrMapOvr>
-  <mc:AlternateContent xmlns:mc="http://schemas.openxmlformats.org/markup-compatibility/2006">
-    <mc:Choice xmlns:p15="http://schemas.microsoft.com/office/powerpoint/2012/main" Requires="p15">
+  <mc:AlternateContent xmlns:mc="http://schemas.openxmlformats.org/markup-compatibility/2006" xmlns:p15="http://schemas.microsoft.com/office/powerpoint/2012/main">
+    <mc:Choice Requires="p15">
       <p:transition xmlns:p14="http://schemas.microsoft.com/office/powerpoint/2010/main" spd="slow" p14:dur="1250">
         <p15:prstTrans prst="pageCurlDouble"/>
       </p:transition>
     </mc:Choice>
-    <mc:Fallback>
+    <mc:Fallback xmlns="">
       <p:transition spd="slow">
         <p:fade/>
       </p:transition>
@@ -12234,7 +10819,7 @@
 </p:sld>
 </file>
 
-<file path=ppt/slides/slide3.xml><?xml version="1.0" encoding="utf-8"?>
+<file path=ppt/slides/slide2.xml><?xml version="1.0" encoding="utf-8"?>
 <p:sld xmlns:a="http://schemas.openxmlformats.org/drawingml/2006/main" xmlns:r="http://schemas.openxmlformats.org/officeDocument/2006/relationships" xmlns:p="http://schemas.openxmlformats.org/presentationml/2006/main">
   <p:cSld>
     <p:spTree>
@@ -12282,7 +10867,7 @@
               <a:buNone/>
             </a:pPr>
             <a:r>
-              <a:rPr lang="hu-HU" b="1" dirty="0" err="1" smtClean="0">
+              <a:rPr lang="hu-HU" b="1" dirty="0" err="1">
                 <a:effectLst>
                   <a:outerShdw blurRad="38100" dist="38100" dir="2700000" algn="tl">
                     <a:srgbClr val="000000">
@@ -12296,7 +10881,7 @@
               <a:t>Sharing</a:t>
             </a:r>
             <a:r>
-              <a:rPr lang="hu-HU" b="1" dirty="0" smtClean="0">
+              <a:rPr lang="hu-HU" b="1" dirty="0">
                 <a:effectLst>
                   <a:outerShdw blurRad="38100" dist="38100" dir="2700000" algn="tl">
                     <a:srgbClr val="000000">
@@ -12310,7 +10895,7 @@
               <a:t> </a:t>
             </a:r>
             <a:r>
-              <a:rPr lang="hu-HU" b="1" dirty="0" err="1" smtClean="0">
+              <a:rPr lang="hu-HU" b="1" dirty="0" err="1">
                 <a:effectLst>
                   <a:outerShdw blurRad="38100" dist="38100" dir="2700000" algn="tl">
                     <a:srgbClr val="000000">
@@ -12496,13 +11081,13 @@
   <p:clrMapOvr>
     <a:masterClrMapping/>
   </p:clrMapOvr>
-  <mc:AlternateContent xmlns:mc="http://schemas.openxmlformats.org/markup-compatibility/2006">
-    <mc:Choice xmlns:p15="http://schemas.microsoft.com/office/powerpoint/2012/main" Requires="p15">
+  <mc:AlternateContent xmlns:mc="http://schemas.openxmlformats.org/markup-compatibility/2006" xmlns:p15="http://schemas.microsoft.com/office/powerpoint/2012/main">
+    <mc:Choice Requires="p15">
       <p:transition xmlns:p14="http://schemas.microsoft.com/office/powerpoint/2010/main" spd="slow" p14:dur="1250">
         <p15:prstTrans prst="pageCurlDouble"/>
       </p:transition>
     </mc:Choice>
-    <mc:Fallback>
+    <mc:Fallback xmlns="">
       <p:transition spd="slow">
         <p:fade/>
       </p:transition>
@@ -12867,7 +11452,7 @@
 </p:sld>
 </file>
 
-<file path=ppt/slides/slide4.xml><?xml version="1.0" encoding="utf-8"?>
+<file path=ppt/slides/slide3.xml><?xml version="1.0" encoding="utf-8"?>
 <p:sld xmlns:a="http://schemas.openxmlformats.org/drawingml/2006/main" xmlns:r="http://schemas.openxmlformats.org/officeDocument/2006/relationships" xmlns:p="http://schemas.openxmlformats.org/presentationml/2006/main">
   <p:cSld>
     <p:spTree>
@@ -12953,7 +11538,7 @@
               <a:buNone/>
             </a:pPr>
             <a:r>
-              <a:rPr lang="hu-HU" b="1" dirty="0" err="1" smtClean="0">
+              <a:rPr lang="hu-HU" b="1" dirty="0" err="1">
                 <a:effectLst>
                   <a:outerShdw blurRad="38100" dist="38100" dir="2700000" algn="tl">
                     <a:srgbClr val="000000">
@@ -12967,7 +11552,7 @@
               <a:t>Labour</a:t>
             </a:r>
             <a:r>
-              <a:rPr lang="hu-HU" b="1" dirty="0" smtClean="0">
+              <a:rPr lang="hu-HU" b="1" dirty="0">
                 <a:effectLst>
                   <a:outerShdw blurRad="38100" dist="38100" dir="2700000" algn="tl">
                     <a:srgbClr val="000000">
@@ -12981,7 +11566,7 @@
               <a:t> saving </a:t>
             </a:r>
             <a:r>
-              <a:rPr lang="hu-HU" b="1" dirty="0" err="1" smtClean="0">
+              <a:rPr lang="hu-HU" b="1" dirty="0" err="1">
                 <a:effectLst>
                   <a:outerShdw blurRad="38100" dist="38100" dir="2700000" algn="tl">
                     <a:srgbClr val="000000">
@@ -13241,13 +11826,13 @@
   <p:clrMapOvr>
     <a:masterClrMapping/>
   </p:clrMapOvr>
-  <mc:AlternateContent xmlns:mc="http://schemas.openxmlformats.org/markup-compatibility/2006">
-    <mc:Choice xmlns:p15="http://schemas.microsoft.com/office/powerpoint/2012/main" Requires="p15">
+  <mc:AlternateContent xmlns:mc="http://schemas.openxmlformats.org/markup-compatibility/2006" xmlns:p15="http://schemas.microsoft.com/office/powerpoint/2012/main">
+    <mc:Choice Requires="p15">
       <p:transition xmlns:p14="http://schemas.microsoft.com/office/powerpoint/2010/main" spd="slow" p14:dur="1250">
         <p15:prstTrans prst="pageCurlDouble"/>
       </p:transition>
     </mc:Choice>
-    <mc:Fallback>
+    <mc:Fallback xmlns="">
       <p:transition spd="slow">
         <p:fade/>
       </p:transition>
@@ -13631,7 +12216,7 @@
 </p:sld>
 </file>
 
-<file path=ppt/slides/slide5.xml><?xml version="1.0" encoding="utf-8"?>
+<file path=ppt/slides/slide4.xml><?xml version="1.0" encoding="utf-8"?>
 <p:sld xmlns:a="http://schemas.openxmlformats.org/drawingml/2006/main" xmlns:r="http://schemas.openxmlformats.org/officeDocument/2006/relationships" xmlns:p="http://schemas.openxmlformats.org/presentationml/2006/main">
   <p:cSld>
     <p:spTree>
@@ -13694,14 +12279,14 @@
               <a:t> </a:t>
             </a:r>
             <a:r>
-              <a:rPr lang="hu-HU" dirty="0" err="1" smtClean="0">
+              <a:rPr lang="hu-HU" dirty="0" err="1">
                 <a:latin typeface="Impact" panose="020B0806030902050204" pitchFamily="34" charset="0"/>
                 <a:cs typeface="Times New Roman" panose="02020603050405020304" pitchFamily="18" charset="0"/>
               </a:rPr>
               <a:t>equipments</a:t>
             </a:r>
             <a:r>
-              <a:rPr lang="hu-HU" dirty="0" smtClean="0">
+              <a:rPr lang="hu-HU" dirty="0">
                 <a:latin typeface="Impact" panose="020B0806030902050204" pitchFamily="34" charset="0"/>
                 <a:cs typeface="Times New Roman" panose="02020603050405020304" pitchFamily="18" charset="0"/>
               </a:rPr>
@@ -13715,13 +12300,13 @@
               </a:spcAft>
             </a:pPr>
             <a:r>
-              <a:rPr lang="hu-HU" dirty="0" err="1" smtClean="0">
+              <a:rPr lang="hu-HU" dirty="0" err="1">
                 <a:latin typeface="Impact" panose="020B0806030902050204" pitchFamily="34" charset="0"/>
                 <a:cs typeface="Times New Roman" panose="02020603050405020304" pitchFamily="18" charset="0"/>
               </a:rPr>
               <a:t>Blender</a:t>
             </a:r>
-            <a:endParaRPr lang="hu-HU" dirty="0" smtClean="0">
+            <a:endParaRPr lang="hu-HU" dirty="0">
               <a:latin typeface="Impact" panose="020B0806030902050204" pitchFamily="34" charset="0"/>
               <a:cs typeface="Times New Roman" panose="02020603050405020304" pitchFamily="18" charset="0"/>
             </a:endParaRPr>
@@ -13733,13 +12318,13 @@
               </a:spcAft>
             </a:pPr>
             <a:r>
-              <a:rPr lang="hu-HU" dirty="0" err="1" smtClean="0">
+              <a:rPr lang="hu-HU" dirty="0" err="1">
                 <a:latin typeface="Impact" panose="020B0806030902050204" pitchFamily="34" charset="0"/>
                 <a:cs typeface="Times New Roman" panose="02020603050405020304" pitchFamily="18" charset="0"/>
               </a:rPr>
               <a:t>Toaster</a:t>
             </a:r>
-            <a:endParaRPr lang="hu-HU" dirty="0" smtClean="0">
+            <a:endParaRPr lang="hu-HU" dirty="0">
               <a:latin typeface="Impact" panose="020B0806030902050204" pitchFamily="34" charset="0"/>
               <a:cs typeface="Times New Roman" panose="02020603050405020304" pitchFamily="18" charset="0"/>
             </a:endParaRPr>
@@ -13751,27 +12336,27 @@
               </a:spcAft>
             </a:pPr>
             <a:r>
-              <a:rPr lang="hu-HU" dirty="0" err="1" smtClean="0">
+              <a:rPr lang="hu-HU" dirty="0" err="1">
                 <a:latin typeface="Impact" panose="020B0806030902050204" pitchFamily="34" charset="0"/>
                 <a:cs typeface="Times New Roman" panose="02020603050405020304" pitchFamily="18" charset="0"/>
               </a:rPr>
               <a:t>Coffee</a:t>
             </a:r>
             <a:r>
-              <a:rPr lang="hu-HU" dirty="0" smtClean="0">
+              <a:rPr lang="hu-HU" dirty="0">
                 <a:latin typeface="Impact" panose="020B0806030902050204" pitchFamily="34" charset="0"/>
                 <a:cs typeface="Times New Roman" panose="02020603050405020304" pitchFamily="18" charset="0"/>
               </a:rPr>
               <a:t> </a:t>
             </a:r>
             <a:r>
-              <a:rPr lang="hu-HU" dirty="0" err="1" smtClean="0">
+              <a:rPr lang="hu-HU" dirty="0" err="1">
                 <a:latin typeface="Impact" panose="020B0806030902050204" pitchFamily="34" charset="0"/>
                 <a:cs typeface="Times New Roman" panose="02020603050405020304" pitchFamily="18" charset="0"/>
               </a:rPr>
               <a:t>maker</a:t>
             </a:r>
-            <a:endParaRPr lang="hu-HU" dirty="0" smtClean="0">
+            <a:endParaRPr lang="hu-HU" dirty="0">
               <a:latin typeface="Impact" panose="020B0806030902050204" pitchFamily="34" charset="0"/>
               <a:cs typeface="Times New Roman" panose="02020603050405020304" pitchFamily="18" charset="0"/>
             </a:endParaRPr>
@@ -13783,13 +12368,13 @@
               </a:spcAft>
             </a:pPr>
             <a:r>
-              <a:rPr lang="hu-HU" dirty="0" err="1" smtClean="0">
+              <a:rPr lang="hu-HU" dirty="0" err="1">
                 <a:latin typeface="Impact" panose="020B0806030902050204" pitchFamily="34" charset="0"/>
                 <a:cs typeface="Times New Roman" panose="02020603050405020304" pitchFamily="18" charset="0"/>
               </a:rPr>
               <a:t>Kettle</a:t>
             </a:r>
-            <a:endParaRPr lang="hu-HU" dirty="0" smtClean="0">
+            <a:endParaRPr lang="hu-HU" dirty="0">
               <a:latin typeface="Impact" panose="020B0806030902050204" pitchFamily="34" charset="0"/>
               <a:cs typeface="Times New Roman" panose="02020603050405020304" pitchFamily="18" charset="0"/>
             </a:endParaRPr>
@@ -13801,7 +12386,7 @@
               </a:spcAft>
             </a:pPr>
             <a:r>
-              <a:rPr lang="hu-HU" dirty="0" smtClean="0">
+              <a:rPr lang="hu-HU" dirty="0">
                 <a:latin typeface="Impact" panose="020B0806030902050204" pitchFamily="34" charset="0"/>
                 <a:cs typeface="Times New Roman" panose="02020603050405020304" pitchFamily="18" charset="0"/>
               </a:rPr>
@@ -13815,14 +12400,14 @@
               </a:spcAft>
             </a:pPr>
             <a:r>
-              <a:rPr lang="hu-HU" dirty="0" err="1" smtClean="0">
+              <a:rPr lang="hu-HU" dirty="0" err="1">
                 <a:latin typeface="Impact" panose="020B0806030902050204" pitchFamily="34" charset="0"/>
                 <a:cs typeface="Times New Roman" panose="02020603050405020304" pitchFamily="18" charset="0"/>
               </a:rPr>
               <a:t>Food</a:t>
             </a:r>
             <a:r>
-              <a:rPr lang="hu-HU" dirty="0" smtClean="0">
+              <a:rPr lang="hu-HU" dirty="0">
                 <a:latin typeface="Impact" panose="020B0806030902050204" pitchFamily="34" charset="0"/>
                 <a:cs typeface="Times New Roman" panose="02020603050405020304" pitchFamily="18" charset="0"/>
               </a:rPr>
@@ -14211,16 +12796,9 @@
                 <a:latin typeface="Impact" panose="020B0806030902050204" pitchFamily="34" charset="0"/>
                 <a:cs typeface="Times New Roman" panose="02020603050405020304" pitchFamily="18" charset="0"/>
               </a:rPr>
-              <a:t>Cleaning tools</a:t>
+              <a:t>Cleaning tools:</a:t>
             </a:r>
-            <a:r>
-              <a:rPr lang="en-US" dirty="0" smtClean="0">
-                <a:latin typeface="Impact" panose="020B0806030902050204" pitchFamily="34" charset="0"/>
-                <a:cs typeface="Times New Roman" panose="02020603050405020304" pitchFamily="18" charset="0"/>
-              </a:rPr>
-              <a:t>:</a:t>
-            </a:r>
-            <a:endParaRPr lang="hu-HU" dirty="0" smtClean="0">
+            <a:endParaRPr lang="hu-HU" dirty="0">
               <a:latin typeface="Impact" panose="020B0806030902050204" pitchFamily="34" charset="0"/>
               <a:cs typeface="Times New Roman" panose="02020603050405020304" pitchFamily="18" charset="0"/>
             </a:endParaRPr>
@@ -14259,7 +12837,35 @@
               </a:rPr>
               <a:t> </a:t>
             </a:r>
-            <a:endParaRPr lang="hu-HU" dirty="0" smtClean="0">
+          </a:p>
+          <a:p>
+            <a:pPr marL="285750" indent="-285750">
+              <a:spcAft>
+                <a:spcPts val="1200"/>
+              </a:spcAft>
+            </a:pPr>
+            <a:r>
+              <a:rPr lang="hu-HU" dirty="0" err="1">
+                <a:latin typeface="Impact" panose="020B0806030902050204" pitchFamily="34" charset="0"/>
+                <a:cs typeface="Times New Roman" panose="02020603050405020304" pitchFamily="18" charset="0"/>
+              </a:rPr>
+              <a:t>Washing</a:t>
+            </a:r>
+            <a:r>
+              <a:rPr lang="hu-HU" dirty="0">
+                <a:latin typeface="Impact" panose="020B0806030902050204" pitchFamily="34" charset="0"/>
+                <a:cs typeface="Times New Roman" panose="02020603050405020304" pitchFamily="18" charset="0"/>
+              </a:rPr>
+              <a:t> </a:t>
+            </a:r>
+            <a:r>
+              <a:rPr lang="hu-HU" dirty="0" err="1">
+                <a:latin typeface="Impact" panose="020B0806030902050204" pitchFamily="34" charset="0"/>
+                <a:cs typeface="Times New Roman" panose="02020603050405020304" pitchFamily="18" charset="0"/>
+              </a:rPr>
+              <a:t>machine</a:t>
+            </a:r>
+            <a:endParaRPr lang="hu-HU" dirty="0">
               <a:latin typeface="Impact" panose="020B0806030902050204" pitchFamily="34" charset="0"/>
               <a:cs typeface="Times New Roman" panose="02020603050405020304" pitchFamily="18" charset="0"/>
             </a:endParaRPr>
@@ -14271,52 +12877,13 @@
               </a:spcAft>
             </a:pPr>
             <a:r>
-              <a:rPr lang="hu-HU" dirty="0" err="1" smtClean="0">
-                <a:latin typeface="Impact" panose="020B0806030902050204" pitchFamily="34" charset="0"/>
-                <a:cs typeface="Times New Roman" panose="02020603050405020304" pitchFamily="18" charset="0"/>
-              </a:rPr>
-              <a:t>Washing</a:t>
-            </a:r>
-            <a:r>
-              <a:rPr lang="hu-HU" dirty="0" smtClean="0">
-                <a:latin typeface="Impact" panose="020B0806030902050204" pitchFamily="34" charset="0"/>
-                <a:cs typeface="Times New Roman" panose="02020603050405020304" pitchFamily="18" charset="0"/>
-              </a:rPr>
-              <a:t> </a:t>
-            </a:r>
-            <a:r>
-              <a:rPr lang="hu-HU" dirty="0" err="1" smtClean="0">
-                <a:latin typeface="Impact" panose="020B0806030902050204" pitchFamily="34" charset="0"/>
-                <a:cs typeface="Times New Roman" panose="02020603050405020304" pitchFamily="18" charset="0"/>
-              </a:rPr>
-              <a:t>machine</a:t>
-            </a:r>
-            <a:endParaRPr lang="hu-HU" dirty="0" smtClean="0">
-              <a:latin typeface="Impact" panose="020B0806030902050204" pitchFamily="34" charset="0"/>
-              <a:cs typeface="Times New Roman" panose="02020603050405020304" pitchFamily="18" charset="0"/>
-            </a:endParaRPr>
-          </a:p>
-          <a:p>
-            <a:pPr marL="285750" indent="-285750">
-              <a:spcAft>
-                <a:spcPts val="1200"/>
-              </a:spcAft>
-            </a:pPr>
-            <a:r>
-              <a:rPr lang="hu-HU" dirty="0" smtClean="0">
-                <a:latin typeface="Impact" panose="020B0806030902050204" pitchFamily="34" charset="0"/>
-                <a:cs typeface="Times New Roman" panose="02020603050405020304" pitchFamily="18" charset="0"/>
-              </a:rPr>
-              <a:t> </a:t>
-            </a:r>
-            <a:r>
-              <a:rPr lang="hu-HU" dirty="0" err="1" smtClean="0">
+              <a:rPr lang="hu-HU" dirty="0" err="1">
                 <a:latin typeface="Impact" panose="020B0806030902050204" pitchFamily="34" charset="0"/>
                 <a:cs typeface="Times New Roman" panose="02020603050405020304" pitchFamily="18" charset="0"/>
               </a:rPr>
               <a:t>Dishwasher</a:t>
             </a:r>
-            <a:endParaRPr lang="hu-HU" dirty="0" smtClean="0">
+            <a:endParaRPr lang="hu-HU" dirty="0">
               <a:latin typeface="Impact" panose="020B0806030902050204" pitchFamily="34" charset="0"/>
               <a:cs typeface="Times New Roman" panose="02020603050405020304" pitchFamily="18" charset="0"/>
             </a:endParaRPr>
@@ -14382,13 +12949,13 @@
   <p:clrMapOvr>
     <a:masterClrMapping/>
   </p:clrMapOvr>
-  <mc:AlternateContent xmlns:mc="http://schemas.openxmlformats.org/markup-compatibility/2006">
-    <mc:Choice xmlns:p15="http://schemas.microsoft.com/office/powerpoint/2012/main" Requires="p15">
+  <mc:AlternateContent xmlns:mc="http://schemas.openxmlformats.org/markup-compatibility/2006" xmlns:p15="http://schemas.microsoft.com/office/powerpoint/2012/main">
+    <mc:Choice Requires="p15">
       <p:transition xmlns:p14="http://schemas.microsoft.com/office/powerpoint/2010/main" spd="slow" p14:dur="1250">
         <p15:prstTrans prst="pageCurlDouble"/>
       </p:transition>
     </mc:Choice>
-    <mc:Fallback>
+    <mc:Fallback xmlns="">
       <p:transition spd="slow">
         <p:fade/>
       </p:transition>
@@ -15045,7 +13612,7 @@
 </p:sld>
 </file>
 
-<file path=ppt/slides/slide6.xml><?xml version="1.0" encoding="utf-8"?>
+<file path=ppt/slides/slide5.xml><?xml version="1.0" encoding="utf-8"?>
 <p:sld xmlns:a="http://schemas.openxmlformats.org/drawingml/2006/main" xmlns:r="http://schemas.openxmlformats.org/officeDocument/2006/relationships" xmlns:p="http://schemas.openxmlformats.org/presentationml/2006/main">
   <p:cSld>
     <p:spTree>
@@ -15178,19 +13745,8 @@
                 <a:latin typeface="Impact" panose="020B0806030902050204" pitchFamily="34" charset="0"/>
                 <a:cs typeface="Times New Roman" panose="02020603050405020304" pitchFamily="18" charset="0"/>
               </a:rPr>
-              <a:t>Other household appliances</a:t>
+              <a:t>Other household appliances:</a:t>
             </a:r>
-            <a:r>
-              <a:rPr lang="en-US" sz="1600" dirty="0" smtClean="0">
-                <a:latin typeface="Impact" panose="020B0806030902050204" pitchFamily="34" charset="0"/>
-                <a:cs typeface="Times New Roman" panose="02020603050405020304" pitchFamily="18" charset="0"/>
-              </a:rPr>
-              <a:t>:</a:t>
-            </a:r>
-            <a:endParaRPr lang="en-US" sz="1600" dirty="0">
-              <a:latin typeface="Impact" panose="020B0806030902050204" pitchFamily="34" charset="0"/>
-              <a:cs typeface="Times New Roman" panose="02020603050405020304" pitchFamily="18" charset="0"/>
-            </a:endParaRPr>
           </a:p>
           <a:p>
             <a:pPr marL="285750" lvl="0" indent="-285750">
@@ -15255,7 +13811,7 @@
               </a:rPr>
               <a:t>Air purifier </a:t>
             </a:r>
-            <a:endParaRPr lang="hu-HU" sz="1600" dirty="0" smtClean="0">
+            <a:endParaRPr lang="hu-HU" sz="1600" dirty="0">
               <a:latin typeface="Impact" panose="020B0806030902050204" pitchFamily="34" charset="0"/>
               <a:cs typeface="Times New Roman" panose="02020603050405020304" pitchFamily="18" charset="0"/>
             </a:endParaRPr>
@@ -15308,7 +13864,7 @@
               <a:t>heating</a:t>
             </a:r>
             <a:r>
-              <a:rPr lang="hu-HU" dirty="0" smtClean="0">
+              <a:rPr lang="hu-HU" dirty="0">
                 <a:latin typeface="Impact" panose="020B0806030902050204" pitchFamily="34" charset="0"/>
               </a:rPr>
               <a:t>:</a:t>
@@ -15323,12 +13879,12 @@
               <a:buChar char="•"/>
             </a:pPr>
             <a:r>
-              <a:rPr lang="hu-HU" dirty="0" err="1" smtClean="0">
+              <a:rPr lang="hu-HU" dirty="0" err="1">
                 <a:latin typeface="Impact" panose="020B0806030902050204" pitchFamily="34" charset="0"/>
               </a:rPr>
               <a:t>Refrigerator</a:t>
             </a:r>
-            <a:endParaRPr lang="hu-HU" dirty="0" smtClean="0">
+            <a:endParaRPr lang="hu-HU" dirty="0">
               <a:latin typeface="Impact" panose="020B0806030902050204" pitchFamily="34" charset="0"/>
             </a:endParaRPr>
           </a:p>
@@ -15341,7 +13897,7 @@
               <a:buChar char="•"/>
             </a:pPr>
             <a:r>
-              <a:rPr lang="hu-HU" dirty="0" err="1" smtClean="0">
+              <a:rPr lang="hu-HU" dirty="0" err="1">
                 <a:latin typeface="Impact" panose="020B0806030902050204" pitchFamily="34" charset="0"/>
               </a:rPr>
               <a:t>Oven</a:t>
@@ -15411,13 +13967,13 @@
   <p:clrMapOvr>
     <a:masterClrMapping/>
   </p:clrMapOvr>
-  <mc:AlternateContent xmlns:mc="http://schemas.openxmlformats.org/markup-compatibility/2006">
-    <mc:Choice xmlns:p15="http://schemas.microsoft.com/office/powerpoint/2012/main" Requires="p15">
+  <mc:AlternateContent xmlns:mc="http://schemas.openxmlformats.org/markup-compatibility/2006" xmlns:p15="http://schemas.microsoft.com/office/powerpoint/2012/main">
+    <mc:Choice Requires="p15">
       <p:transition xmlns:p14="http://schemas.microsoft.com/office/powerpoint/2010/main" spd="slow" p14:dur="1250">
         <p15:prstTrans prst="pageCurlDouble"/>
       </p:transition>
     </mc:Choice>
-    <mc:Fallback>
+    <mc:Fallback xmlns="">
       <p:transition spd="slow">
         <p:fade/>
       </p:transition>
@@ -15907,7 +14463,7 @@
 </p:sld>
 </file>
 
-<file path=ppt/slides/slide7.xml><?xml version="1.0" encoding="utf-8"?>
+<file path=ppt/slides/slide6.xml><?xml version="1.0" encoding="utf-8"?>
 <p:sld xmlns:a="http://schemas.openxmlformats.org/drawingml/2006/main" xmlns:r="http://schemas.openxmlformats.org/officeDocument/2006/relationships" xmlns:p="http://schemas.openxmlformats.org/presentationml/2006/main">
   <p:cSld>
     <p:spTree>
@@ -15955,12 +14511,12 @@
               </a:lnSpc>
             </a:pPr>
             <a:r>
-              <a:rPr lang="hu-HU" dirty="0" err="1" smtClean="0">
+              <a:rPr lang="hu-HU" dirty="0" err="1">
                 <a:latin typeface="Impact" panose="020B0806030902050204" pitchFamily="34" charset="0"/>
               </a:rPr>
               <a:t>Chores</a:t>
             </a:r>
-            <a:endParaRPr lang="hu-HU" dirty="0" smtClean="0">
+            <a:endParaRPr lang="hu-HU" dirty="0">
               <a:latin typeface="Impact" panose="020B0806030902050204" pitchFamily="34" charset="0"/>
             </a:endParaRPr>
           </a:p>
@@ -15983,12 +14539,12 @@
               <a:t> and </a:t>
             </a:r>
             <a:r>
-              <a:rPr lang="hu-HU" dirty="0" err="1" smtClean="0">
+              <a:rPr lang="hu-HU" dirty="0" err="1">
                 <a:latin typeface="Impact" panose="020B0806030902050204" pitchFamily="34" charset="0"/>
               </a:rPr>
               <a:t>Study</a:t>
             </a:r>
-            <a:endParaRPr lang="hu-HU" dirty="0" smtClean="0">
+            <a:endParaRPr lang="hu-HU" dirty="0">
               <a:latin typeface="Impact" panose="020B0806030902050204" pitchFamily="34" charset="0"/>
             </a:endParaRPr>
           </a:p>
@@ -16011,12 +14567,12 @@
               <a:t> </a:t>
             </a:r>
             <a:r>
-              <a:rPr lang="hu-HU" dirty="0" err="1" smtClean="0">
+              <a:rPr lang="hu-HU" dirty="0" err="1">
                 <a:latin typeface="Impact" panose="020B0806030902050204" pitchFamily="34" charset="0"/>
               </a:rPr>
               <a:t>Responsibilities</a:t>
             </a:r>
-            <a:endParaRPr lang="hu-HU" dirty="0" smtClean="0">
+            <a:endParaRPr lang="hu-HU" dirty="0">
               <a:latin typeface="Impact" panose="020B0806030902050204" pitchFamily="34" charset="0"/>
             </a:endParaRPr>
           </a:p>
@@ -16036,13 +14592,7 @@
               <a:rPr lang="hu-HU" dirty="0">
                 <a:latin typeface="Impact" panose="020B0806030902050204" pitchFamily="34" charset="0"/>
               </a:rPr>
-              <a:t> </a:t>
-            </a:r>
-            <a:r>
-              <a:rPr lang="hu-HU" dirty="0" smtClean="0">
-                <a:latin typeface="Impact" panose="020B0806030902050204" pitchFamily="34" charset="0"/>
-              </a:rPr>
-              <a:t>Preparation</a:t>
+              <a:t> Preparation</a:t>
             </a:r>
           </a:p>
           <a:p>
@@ -16103,7 +14653,7 @@
               <a:t>T</a:t>
             </a:r>
             <a:r>
-              <a:rPr lang="en-US" b="1" dirty="0" err="1" smtClean="0">
+              <a:rPr lang="en-US" b="1" dirty="0" err="1">
                 <a:effectLst>
                   <a:outerShdw blurRad="38100" dist="38100" dir="2700000" algn="tl">
                     <a:srgbClr val="000000">
@@ -16116,19 +14666,6 @@
               <a:t>ypical</a:t>
             </a:r>
             <a:r>
-              <a:rPr lang="en-US" b="1" dirty="0" smtClean="0">
-                <a:effectLst>
-                  <a:outerShdw blurRad="38100" dist="38100" dir="2700000" algn="tl">
-                    <a:srgbClr val="000000">
-                      <a:alpha val="43137"/>
-                    </a:srgbClr>
-                  </a:outerShdw>
-                </a:effectLst>
-                <a:latin typeface="Impact" panose="020B0806030902050204" pitchFamily="34" charset="0"/>
-              </a:rPr>
-              <a:t> </a:t>
-            </a:r>
-            <a:r>
               <a:rPr lang="en-US" b="1" dirty="0">
                 <a:effectLst>
                   <a:outerShdw blurRad="38100" dist="38100" dir="2700000" algn="tl">
@@ -16139,7 +14676,7 @@
                 </a:effectLst>
                 <a:latin typeface="Impact" panose="020B0806030902050204" pitchFamily="34" charset="0"/>
               </a:rPr>
-              <a:t>tasks of teenagers at home</a:t>
+              <a:t> tasks of teenagers at home</a:t>
             </a:r>
             <a:endParaRPr b="1" dirty="0">
               <a:effectLst>
@@ -16213,13 +14750,13 @@
   <p:clrMapOvr>
     <a:masterClrMapping/>
   </p:clrMapOvr>
-  <mc:AlternateContent xmlns:mc="http://schemas.openxmlformats.org/markup-compatibility/2006">
-    <mc:Choice xmlns:p15="http://schemas.microsoft.com/office/powerpoint/2012/main" Requires="p15">
+  <mc:AlternateContent xmlns:mc="http://schemas.openxmlformats.org/markup-compatibility/2006" xmlns:p15="http://schemas.microsoft.com/office/powerpoint/2012/main">
+    <mc:Choice Requires="p15">
       <p:transition xmlns:p14="http://schemas.microsoft.com/office/powerpoint/2010/main" spd="slow" p14:dur="1250">
         <p15:prstTrans prst="pageCurlDouble"/>
       </p:transition>
     </mc:Choice>
-    <mc:Fallback>
+    <mc:Fallback xmlns="">
       <p:transition spd="slow">
         <p:fade/>
       </p:transition>
@@ -16668,531 +15205,6 @@
     <p:bldLst>
       <p:bldP spid="547" grpId="0"/>
     </p:bldLst>
-  </p:timing>
-</p:sld>
-</file>
-
-<file path=ppt/slides/slide8.xml><?xml version="1.0" encoding="utf-8"?>
-<p:sld xmlns:a="http://schemas.openxmlformats.org/drawingml/2006/main" xmlns:r="http://schemas.openxmlformats.org/officeDocument/2006/relationships" xmlns:p="http://schemas.openxmlformats.org/presentationml/2006/main">
-  <p:cSld>
-    <p:spTree>
-      <p:nvGrpSpPr>
-        <p:cNvPr id="1" name="Shape 552"/>
-        <p:cNvGrpSpPr/>
-        <p:nvPr/>
-      </p:nvGrpSpPr>
-      <p:grpSpPr>
-        <a:xfrm>
-          <a:off x="0" y="0"/>
-          <a:ext cx="0" cy="0"/>
-          <a:chOff x="0" y="0"/>
-          <a:chExt cx="0" cy="0"/>
-        </a:xfrm>
-      </p:grpSpPr>
-      <p:sp>
-        <p:nvSpPr>
-          <p:cNvPr id="554" name="Google Shape;554;p66"/>
-          <p:cNvSpPr txBox="1">
-            <a:spLocks noGrp="1"/>
-          </p:cNvSpPr>
-          <p:nvPr>
-            <p:ph type="title"/>
-          </p:nvPr>
-        </p:nvSpPr>
-        <p:spPr>
-          <a:xfrm>
-            <a:off x="1732050" y="445025"/>
-            <a:ext cx="5679900" cy="572700"/>
-          </a:xfrm>
-          <a:prstGeom prst="rect">
-            <a:avLst/>
-          </a:prstGeom>
-        </p:spPr>
-        <p:txBody>
-          <a:bodyPr spcFirstLastPara="1" wrap="square" lIns="91425" tIns="91425" rIns="91425" bIns="91425" anchor="t" anchorCtr="0">
-            <a:noAutofit/>
-          </a:bodyPr>
-          <a:lstStyle/>
-          <a:p>
-            <a:pPr lvl="0"/>
-            <a:r>
-              <a:rPr lang="en-US" b="1" dirty="0">
-                <a:effectLst>
-                  <a:outerShdw blurRad="38100" dist="38100" dir="2700000" algn="tl">
-                    <a:srgbClr val="000000">
-                      <a:alpha val="43137"/>
-                    </a:srgbClr>
-                  </a:outerShdw>
-                </a:effectLst>
-                <a:latin typeface="Impact" panose="020B0806030902050204" pitchFamily="34" charset="0"/>
-              </a:rPr>
-              <a:t>Thank you for your attention</a:t>
-            </a:r>
-            <a:endParaRPr b="1" dirty="0">
-              <a:effectLst>
-                <a:outerShdw blurRad="38100" dist="38100" dir="2700000" algn="tl">
-                  <a:srgbClr val="000000">
-                    <a:alpha val="43137"/>
-                  </a:srgbClr>
-                </a:outerShdw>
-              </a:effectLst>
-              <a:latin typeface="Impact" panose="020B0806030902050204" pitchFamily="34" charset="0"/>
-            </a:endParaRPr>
-          </a:p>
-        </p:txBody>
-      </p:sp>
-      <p:pic>
-        <p:nvPicPr>
-          <p:cNvPr id="4098" name="Picture 2" descr="Leonardo Dicaprio Cheers Meme - Imgflip"/>
-          <p:cNvPicPr>
-            <a:picLocks noChangeAspect="1" noChangeArrowheads="1"/>
-          </p:cNvPicPr>
-          <p:nvPr/>
-        </p:nvPicPr>
-        <p:blipFill>
-          <a:blip r:embed="rId3">
-            <a:extLst>
-              <a:ext uri="{28A0092B-C50C-407E-A947-70E740481C1C}">
-                <a14:useLocalDpi xmlns:a14="http://schemas.microsoft.com/office/drawing/2010/main" val="0"/>
-              </a:ext>
-            </a:extLst>
-          </a:blip>
-          <a:srcRect/>
-          <a:stretch>
-            <a:fillRect/>
-          </a:stretch>
-        </p:blipFill>
-        <p:spPr bwMode="auto">
-          <a:xfrm>
-            <a:off x="2822971" y="1651818"/>
-            <a:ext cx="3498057" cy="2332039"/>
-          </a:xfrm>
-          <a:prstGeom prst="rect">
-            <a:avLst/>
-          </a:prstGeom>
-          <a:ln>
-            <a:noFill/>
-          </a:ln>
-          <a:effectLst>
-            <a:softEdge rad="112500"/>
-          </a:effectLst>
-          <a:extLst>
-            <a:ext uri="{909E8E84-426E-40DD-AFC4-6F175D3DCCD1}">
-              <a14:hiddenFill xmlns:a14="http://schemas.microsoft.com/office/drawing/2010/main">
-                <a:solidFill>
-                  <a:srgbClr val="FFFFFF"/>
-                </a:solidFill>
-              </a14:hiddenFill>
-            </a:ext>
-          </a:extLst>
-        </p:spPr>
-      </p:pic>
-    </p:spTree>
-  </p:cSld>
-  <p:clrMapOvr>
-    <a:masterClrMapping/>
-  </p:clrMapOvr>
-  <mc:AlternateContent xmlns:mc="http://schemas.openxmlformats.org/markup-compatibility/2006">
-    <mc:Choice xmlns:p15="http://schemas.microsoft.com/office/powerpoint/2012/main" Requires="p15">
-      <p:transition xmlns:p14="http://schemas.microsoft.com/office/powerpoint/2010/main" spd="slow" p14:dur="1250">
-        <p15:prstTrans prst="pageCurlDouble"/>
-      </p:transition>
-    </mc:Choice>
-    <mc:Fallback>
-      <p:transition spd="slow">
-        <p:fade/>
-      </p:transition>
-    </mc:Fallback>
-  </mc:AlternateContent>
-  <p:timing>
-    <p:tnLst>
-      <p:par>
-        <p:cTn id="1" dur="indefinite" restart="never" nodeType="tmRoot">
-          <p:childTnLst>
-            <p:seq concurrent="1" nextAc="seek">
-              <p:cTn id="2" dur="indefinite" nodeType="mainSeq">
-                <p:childTnLst>
-                  <p:par>
-                    <p:cTn id="3" fill="hold">
-                      <p:stCondLst>
-                        <p:cond delay="indefinite"/>
-                      </p:stCondLst>
-                      <p:childTnLst>
-                        <p:par>
-                          <p:cTn id="4" fill="hold">
-                            <p:stCondLst>
-                              <p:cond delay="0"/>
-                            </p:stCondLst>
-                            <p:childTnLst>
-                              <p:par>
-                                <p:cTn id="5" presetID="22" presetClass="entr" presetSubtype="4" fill="hold" grpId="0" nodeType="clickEffect">
-                                  <p:stCondLst>
-                                    <p:cond delay="0"/>
-                                  </p:stCondLst>
-                                  <p:childTnLst>
-                                    <p:set>
-                                      <p:cBhvr>
-                                        <p:cTn id="6" dur="1" fill="hold">
-                                          <p:stCondLst>
-                                            <p:cond delay="0"/>
-                                          </p:stCondLst>
-                                        </p:cTn>
-                                        <p:tgtEl>
-                                          <p:spTgt spid="554"/>
-                                        </p:tgtEl>
-                                        <p:attrNameLst>
-                                          <p:attrName>style.visibility</p:attrName>
-                                        </p:attrNameLst>
-                                      </p:cBhvr>
-                                      <p:to>
-                                        <p:strVal val="visible"/>
-                                      </p:to>
-                                    </p:set>
-                                    <p:animEffect transition="in" filter="wipe(down)">
-                                      <p:cBhvr>
-                                        <p:cTn id="7" dur="500"/>
-                                        <p:tgtEl>
-                                          <p:spTgt spid="554"/>
-                                        </p:tgtEl>
-                                      </p:cBhvr>
-                                    </p:animEffect>
-                                  </p:childTnLst>
-                                </p:cTn>
-                              </p:par>
-                            </p:childTnLst>
-                          </p:cTn>
-                        </p:par>
-                      </p:childTnLst>
-                    </p:cTn>
-                  </p:par>
-                  <p:par>
-                    <p:cTn id="8" fill="hold">
-                      <p:stCondLst>
-                        <p:cond delay="indefinite"/>
-                      </p:stCondLst>
-                      <p:childTnLst>
-                        <p:par>
-                          <p:cTn id="9" fill="hold">
-                            <p:stCondLst>
-                              <p:cond delay="0"/>
-                            </p:stCondLst>
-                            <p:childTnLst>
-                              <p:par>
-                                <p:cTn id="10" presetID="6" presetClass="entr" presetSubtype="16" fill="hold" nodeType="clickEffect">
-                                  <p:stCondLst>
-                                    <p:cond delay="0"/>
-                                  </p:stCondLst>
-                                  <p:childTnLst>
-                                    <p:set>
-                                      <p:cBhvr>
-                                        <p:cTn id="11" dur="1" fill="hold">
-                                          <p:stCondLst>
-                                            <p:cond delay="0"/>
-                                          </p:stCondLst>
-                                        </p:cTn>
-                                        <p:tgtEl>
-                                          <p:spTgt spid="4098"/>
-                                        </p:tgtEl>
-                                        <p:attrNameLst>
-                                          <p:attrName>style.visibility</p:attrName>
-                                        </p:attrNameLst>
-                                      </p:cBhvr>
-                                      <p:to>
-                                        <p:strVal val="visible"/>
-                                      </p:to>
-                                    </p:set>
-                                    <p:animEffect transition="in" filter="circle(in)">
-                                      <p:cBhvr>
-                                        <p:cTn id="12" dur="2000"/>
-                                        <p:tgtEl>
-                                          <p:spTgt spid="4098"/>
-                                        </p:tgtEl>
-                                      </p:cBhvr>
-                                    </p:animEffect>
-                                  </p:childTnLst>
-                                </p:cTn>
-                              </p:par>
-                            </p:childTnLst>
-                          </p:cTn>
-                        </p:par>
-                      </p:childTnLst>
-                    </p:cTn>
-                  </p:par>
-                </p:childTnLst>
-              </p:cTn>
-              <p:prevCondLst>
-                <p:cond evt="onPrev" delay="0">
-                  <p:tgtEl>
-                    <p:sldTgt/>
-                  </p:tgtEl>
-                </p:cond>
-              </p:prevCondLst>
-              <p:nextCondLst>
-                <p:cond evt="onNext" delay="0">
-                  <p:tgtEl>
-                    <p:sldTgt/>
-                  </p:tgtEl>
-                </p:cond>
-              </p:nextCondLst>
-            </p:seq>
-          </p:childTnLst>
-        </p:cTn>
-      </p:par>
-    </p:tnLst>
-    <p:bldLst>
-      <p:bldP spid="554" grpId="0"/>
-    </p:bldLst>
-  </p:timing>
-</p:sld>
-</file>
-
-<file path=ppt/slides/slide9.xml><?xml version="1.0" encoding="utf-8"?>
-<p:sld xmlns:a="http://schemas.openxmlformats.org/drawingml/2006/main" xmlns:r="http://schemas.openxmlformats.org/officeDocument/2006/relationships" xmlns:p="http://schemas.openxmlformats.org/presentationml/2006/main">
-  <p:cSld>
-    <p:spTree>
-      <p:nvGrpSpPr>
-        <p:cNvPr id="1" name=""/>
-        <p:cNvGrpSpPr/>
-        <p:nvPr/>
-      </p:nvGrpSpPr>
-      <p:grpSpPr>
-        <a:xfrm>
-          <a:off x="0" y="0"/>
-          <a:ext cx="0" cy="0"/>
-          <a:chOff x="0" y="0"/>
-          <a:chExt cx="0" cy="0"/>
-        </a:xfrm>
-      </p:grpSpPr>
-      <p:sp>
-        <p:nvSpPr>
-          <p:cNvPr id="2" name="Cím 1"/>
-          <p:cNvSpPr>
-            <a:spLocks noGrp="1"/>
-          </p:cNvSpPr>
-          <p:nvPr>
-            <p:ph type="ctrTitle"/>
-          </p:nvPr>
-        </p:nvSpPr>
-        <p:spPr>
-          <a:xfrm>
-            <a:off x="1040000" y="304800"/>
-            <a:ext cx="7064100" cy="1017358"/>
-          </a:xfrm>
-        </p:spPr>
-        <p:txBody>
-          <a:bodyPr/>
-          <a:lstStyle/>
-          <a:p>
-            <a:r>
-              <a:rPr lang="hu-HU" b="1" dirty="0" err="1">
-                <a:effectLst>
-                  <a:outerShdw blurRad="38100" dist="38100" dir="2700000" algn="tl">
-                    <a:srgbClr val="000000">
-                      <a:alpha val="43137"/>
-                    </a:srgbClr>
-                  </a:outerShdw>
-                </a:effectLst>
-                <a:latin typeface="Impact" panose="020B0806030902050204" pitchFamily="34" charset="0"/>
-              </a:rPr>
-              <a:t>Sources</a:t>
-            </a:r>
-            <a:r>
-              <a:rPr lang="hu-HU" b="1" dirty="0">
-                <a:effectLst>
-                  <a:outerShdw blurRad="38100" dist="38100" dir="2700000" algn="tl">
-                    <a:srgbClr val="000000">
-                      <a:alpha val="43137"/>
-                    </a:srgbClr>
-                  </a:outerShdw>
-                </a:effectLst>
-                <a:latin typeface="Impact" panose="020B0806030902050204" pitchFamily="34" charset="0"/>
-              </a:rPr>
-              <a:t>:</a:t>
-            </a:r>
-            <a:endParaRPr lang="hu-HU" b="1" dirty="0">
-              <a:effectLst>
-                <a:outerShdw blurRad="38100" dist="38100" dir="2700000" algn="tl">
-                  <a:srgbClr val="000000">
-                    <a:alpha val="43137"/>
-                  </a:srgbClr>
-                </a:outerShdw>
-              </a:effectLst>
-              <a:latin typeface="Impact" panose="020B0806030902050204" pitchFamily="34" charset="0"/>
-            </a:endParaRPr>
-          </a:p>
-        </p:txBody>
-      </p:sp>
-      <p:sp>
-        <p:nvSpPr>
-          <p:cNvPr id="3" name="Alcím 2"/>
-          <p:cNvSpPr>
-            <a:spLocks noGrp="1"/>
-          </p:cNvSpPr>
-          <p:nvPr>
-            <p:ph type="subTitle" idx="1"/>
-          </p:nvPr>
-        </p:nvSpPr>
-        <p:spPr>
-          <a:xfrm>
-            <a:off x="1040000" y="1150374"/>
-            <a:ext cx="7064100" cy="3515032"/>
-          </a:xfrm>
-        </p:spPr>
-        <p:txBody>
-          <a:bodyPr/>
-          <a:lstStyle/>
-          <a:p>
-            <a:pPr algn="l"/>
-            <a:r>
-              <a:rPr lang="hu-HU" dirty="0">
-                <a:hlinkClick r:id="rId2"/>
-              </a:rPr>
-              <a:t>https://</a:t>
-            </a:r>
-            <a:r>
-              <a:rPr lang="hu-HU" dirty="0" smtClean="0">
-                <a:hlinkClick r:id="rId2"/>
-              </a:rPr>
-              <a:t>www.istockphoto.com/hu/illusztrációk/</a:t>
-            </a:r>
-            <a:r>
-              <a:rPr lang="hu-HU" dirty="0" err="1" smtClean="0">
-                <a:hlinkClick r:id="rId2"/>
-              </a:rPr>
-              <a:t>teenager</a:t>
-            </a:r>
-            <a:endParaRPr lang="hu-HU" dirty="0" smtClean="0"/>
-          </a:p>
-          <a:p>
-            <a:pPr algn="l"/>
-            <a:r>
-              <a:rPr lang="hu-HU" dirty="0">
-                <a:hlinkClick r:id="rId3"/>
-              </a:rPr>
-              <a:t>https://</a:t>
-            </a:r>
-            <a:r>
-              <a:rPr lang="hu-HU" dirty="0" smtClean="0">
-                <a:hlinkClick r:id="rId3"/>
-              </a:rPr>
-              <a:t>imgflip.com/i/3g4qb2</a:t>
-            </a:r>
-            <a:endParaRPr lang="hu-HU" dirty="0" smtClean="0"/>
-          </a:p>
-          <a:p>
-            <a:pPr algn="l"/>
-            <a:r>
-              <a:rPr lang="hu-HU" dirty="0">
-                <a:hlinkClick r:id="rId4"/>
-              </a:rPr>
-              <a:t>https://</a:t>
-            </a:r>
-            <a:r>
-              <a:rPr lang="hu-HU" dirty="0" smtClean="0">
-                <a:hlinkClick r:id="rId4"/>
-              </a:rPr>
-              <a:t>www.vecteezy.com/vector-art/466883-flat-color-icons-set-of-household-appliances</a:t>
-            </a:r>
-            <a:endParaRPr lang="hu-HU" dirty="0" smtClean="0"/>
-          </a:p>
-          <a:p>
-            <a:pPr algn="l"/>
-            <a:r>
-              <a:rPr lang="hu-HU" dirty="0">
-                <a:hlinkClick r:id="rId5"/>
-              </a:rPr>
-              <a:t>https://content.cambly.com/2016/08/28/topic-household-appliances</a:t>
-            </a:r>
-            <a:r>
-              <a:rPr lang="hu-HU" dirty="0" smtClean="0">
-                <a:hlinkClick r:id="rId5"/>
-              </a:rPr>
-              <a:t>/</a:t>
-            </a:r>
-            <a:endParaRPr lang="hu-HU" dirty="0" smtClean="0"/>
-          </a:p>
-          <a:p>
-            <a:pPr algn="l"/>
-            <a:r>
-              <a:rPr lang="hu-HU" dirty="0">
-                <a:hlinkClick r:id="rId6"/>
-              </a:rPr>
-              <a:t>https://</a:t>
-            </a:r>
-            <a:r>
-              <a:rPr lang="hu-HU" dirty="0" smtClean="0">
-                <a:hlinkClick r:id="rId6"/>
-              </a:rPr>
-              <a:t>ru.pinterest.com/pin/840836192906111425/</a:t>
-            </a:r>
-            <a:endParaRPr lang="hu-HU" dirty="0" smtClean="0"/>
-          </a:p>
-          <a:p>
-            <a:pPr algn="l"/>
-            <a:r>
-              <a:rPr lang="hu-HU" dirty="0">
-                <a:hlinkClick r:id="rId7"/>
-              </a:rPr>
-              <a:t>https://myenglishteacher.co.uk/2021/07/05/how-to-talk-about-housework</a:t>
-            </a:r>
-            <a:r>
-              <a:rPr lang="hu-HU" dirty="0" smtClean="0">
-                <a:hlinkClick r:id="rId7"/>
-              </a:rPr>
-              <a:t>/</a:t>
-            </a:r>
-            <a:endParaRPr lang="hu-HU" dirty="0" smtClean="0"/>
-          </a:p>
-          <a:p>
-            <a:pPr algn="l"/>
-            <a:r>
-              <a:rPr lang="hu-HU" dirty="0">
-                <a:hlinkClick r:id="rId8"/>
-              </a:rPr>
-              <a:t>https://</a:t>
-            </a:r>
-            <a:r>
-              <a:rPr lang="hu-HU" dirty="0" smtClean="0">
-                <a:hlinkClick r:id="rId8"/>
-              </a:rPr>
-              <a:t>stock.adobe.com/dk/images/housework-set-vector-isolated-collection-of-men-doing-house-work-vacuum-cleaning-clothes-ironing-cooking-wiping-dust-male-characters-cleaning-window-and-mirror/423172775</a:t>
-            </a:r>
-            <a:endParaRPr lang="hu-HU" dirty="0" smtClean="0"/>
-          </a:p>
-          <a:p>
-            <a:pPr algn="l"/>
-            <a:endParaRPr lang="hu-HU" dirty="0" smtClean="0"/>
-          </a:p>
-        </p:txBody>
-      </p:sp>
-    </p:spTree>
-    <p:extLst>
-      <p:ext uri="{BB962C8B-B14F-4D97-AF65-F5344CB8AC3E}">
-        <p14:creationId xmlns:p14="http://schemas.microsoft.com/office/powerpoint/2010/main" val="3747448221"/>
-      </p:ext>
-    </p:extLst>
-  </p:cSld>
-  <p:clrMapOvr>
-    <a:masterClrMapping/>
-  </p:clrMapOvr>
-  <mc:AlternateContent xmlns:mc="http://schemas.openxmlformats.org/markup-compatibility/2006">
-    <mc:Choice xmlns:p15="http://schemas.microsoft.com/office/powerpoint/2012/main" Requires="p15">
-      <p:transition xmlns:p14="http://schemas.microsoft.com/office/powerpoint/2010/main" spd="slow" p14:dur="1250">
-        <p15:prstTrans prst="pageCurlDouble"/>
-      </p:transition>
-    </mc:Choice>
-    <mc:Fallback>
-      <p:transition spd="slow">
-        <p:fade/>
-      </p:transition>
-    </mc:Fallback>
-  </mc:AlternateContent>
-  <p:timing>
-    <p:tnLst>
-      <p:par>
-        <p:cTn id="1" dur="indefinite" restart="never" nodeType="tmRoot"/>
-      </p:par>
-    </p:tnLst>
   </p:timing>
 </p:sld>
 </file>
